--- a/docs/Slutredovisning_grp5_v9.pptx
+++ b/docs/Slutredovisning_grp5_v9.pptx
@@ -29703,7 +29703,12 @@
             <p:ph type="body" idx="1"/>
           </p:nvPr>
         </p:nvSpPr>
-        <p:spPr/>
+        <p:spPr>
+          <a:xfrm>
+            <a:off x="839788" y="1681163"/>
+            <a:ext cx="5157787" cy="473101"/>
+          </a:xfrm>
+        </p:spPr>
         <p:txBody>
           <a:bodyPr/>
           <a:lstStyle/>
@@ -29726,15 +29731,450 @@
             <p:ph sz="half" idx="2"/>
           </p:nvPr>
         </p:nvSpPr>
-        <p:spPr/>
+        <p:spPr>
+          <a:xfrm>
+            <a:off x="839788" y="2154264"/>
+            <a:ext cx="5157787" cy="4035399"/>
+          </a:xfrm>
+        </p:spPr>
         <p:txBody>
-          <a:bodyPr/>
+          <a:bodyPr>
+            <a:normAutofit/>
+          </a:bodyPr>
           <a:lstStyle/>
           <a:p>
             <a:pPr marL="0" indent="0">
               <a:buNone/>
             </a:pPr>
-            <a:endParaRPr lang="sv-SE" dirty="0"/>
+            <a:r>
+              <a:rPr lang="sv-SE" sz="1500" dirty="0">
+                <a:solidFill>
+                  <a:schemeClr val="accent1">
+                    <a:lumMod val="75000"/>
+                  </a:schemeClr>
+                </a:solidFill>
+              </a:rPr>
+              <a:t>public </a:t>
+            </a:r>
+            <a:r>
+              <a:rPr lang="sv-SE" sz="1500" dirty="0" err="1">
+                <a:solidFill>
+                  <a:schemeClr val="accent1">
+                    <a:lumMod val="75000"/>
+                  </a:schemeClr>
+                </a:solidFill>
+              </a:rPr>
+              <a:t>class</a:t>
+            </a:r>
+            <a:r>
+              <a:rPr lang="sv-SE" sz="1500" dirty="0">
+                <a:solidFill>
+                  <a:schemeClr val="accent1">
+                    <a:lumMod val="75000"/>
+                  </a:schemeClr>
+                </a:solidFill>
+              </a:rPr>
+              <a:t> </a:t>
+            </a:r>
+            <a:r>
+              <a:rPr lang="sv-SE" sz="1500" dirty="0" err="1">
+                <a:solidFill>
+                  <a:schemeClr val="accent1">
+                    <a:lumMod val="75000"/>
+                  </a:schemeClr>
+                </a:solidFill>
+              </a:rPr>
+              <a:t>MapTest</a:t>
+            </a:r>
+            <a:r>
+              <a:rPr lang="sv-SE" sz="1500" dirty="0">
+                <a:solidFill>
+                  <a:schemeClr val="accent1">
+                    <a:lumMod val="75000"/>
+                  </a:schemeClr>
+                </a:solidFill>
+              </a:rPr>
+              <a:t> {</a:t>
+            </a:r>
+          </a:p>
+          <a:p>
+            <a:pPr marL="0" indent="0">
+              <a:buNone/>
+            </a:pPr>
+            <a:r>
+              <a:rPr lang="sv-SE" sz="1500" dirty="0">
+                <a:solidFill>
+                  <a:schemeClr val="accent1">
+                    <a:lumMod val="75000"/>
+                  </a:schemeClr>
+                </a:solidFill>
+              </a:rPr>
+              <a:t>   private </a:t>
+            </a:r>
+            <a:r>
+              <a:rPr lang="sv-SE" sz="1500" dirty="0" err="1">
+                <a:solidFill>
+                  <a:schemeClr val="accent1">
+                    <a:lumMod val="75000"/>
+                  </a:schemeClr>
+                </a:solidFill>
+              </a:rPr>
+              <a:t>Map</a:t>
+            </a:r>
+            <a:r>
+              <a:rPr lang="sv-SE" sz="1500" dirty="0">
+                <a:solidFill>
+                  <a:schemeClr val="accent1">
+                    <a:lumMod val="75000"/>
+                  </a:schemeClr>
+                </a:solidFill>
+              </a:rPr>
+              <a:t> </a:t>
+            </a:r>
+            <a:r>
+              <a:rPr lang="sv-SE" sz="1500" dirty="0" err="1">
+                <a:solidFill>
+                  <a:schemeClr val="accent1">
+                    <a:lumMod val="75000"/>
+                  </a:schemeClr>
+                </a:solidFill>
+              </a:rPr>
+              <a:t>map</a:t>
+            </a:r>
+            <a:r>
+              <a:rPr lang="sv-SE" sz="1500" dirty="0">
+                <a:solidFill>
+                  <a:schemeClr val="accent1">
+                    <a:lumMod val="75000"/>
+                  </a:schemeClr>
+                </a:solidFill>
+              </a:rPr>
+              <a:t> = new </a:t>
+            </a:r>
+            <a:r>
+              <a:rPr lang="sv-SE" sz="1500" dirty="0" err="1">
+                <a:solidFill>
+                  <a:schemeClr val="accent1">
+                    <a:lumMod val="75000"/>
+                  </a:schemeClr>
+                </a:solidFill>
+              </a:rPr>
+              <a:t>Map</a:t>
+            </a:r>
+            <a:r>
+              <a:rPr lang="sv-SE" sz="1500" dirty="0">
+                <a:solidFill>
+                  <a:schemeClr val="accent1">
+                    <a:lumMod val="75000"/>
+                  </a:schemeClr>
+                </a:solidFill>
+              </a:rPr>
+              <a:t>(200, 100);</a:t>
+            </a:r>
+          </a:p>
+          <a:p>
+            <a:pPr marL="0" indent="0">
+              <a:buNone/>
+            </a:pPr>
+            <a:endParaRPr lang="sv-SE" sz="1500" dirty="0">
+              <a:solidFill>
+                <a:schemeClr val="accent1">
+                  <a:lumMod val="75000"/>
+                </a:schemeClr>
+              </a:solidFill>
+            </a:endParaRPr>
+          </a:p>
+          <a:p>
+            <a:pPr marL="0" indent="0">
+              <a:buNone/>
+            </a:pPr>
+            <a:r>
+              <a:rPr lang="sv-SE" sz="1500" dirty="0">
+                <a:solidFill>
+                  <a:schemeClr val="accent1">
+                    <a:lumMod val="75000"/>
+                  </a:schemeClr>
+                </a:solidFill>
+              </a:rPr>
+              <a:t>   @Test</a:t>
+            </a:r>
+          </a:p>
+          <a:p>
+            <a:pPr marL="0" indent="0">
+              <a:buNone/>
+            </a:pPr>
+            <a:r>
+              <a:rPr lang="sv-SE" sz="1500" dirty="0">
+                <a:solidFill>
+                  <a:schemeClr val="accent1">
+                    <a:lumMod val="75000"/>
+                  </a:schemeClr>
+                </a:solidFill>
+              </a:rPr>
+              <a:t>   public </a:t>
+            </a:r>
+            <a:r>
+              <a:rPr lang="sv-SE" sz="1500" dirty="0" err="1">
+                <a:solidFill>
+                  <a:schemeClr val="accent1">
+                    <a:lumMod val="75000"/>
+                  </a:schemeClr>
+                </a:solidFill>
+              </a:rPr>
+              <a:t>void</a:t>
+            </a:r>
+            <a:r>
+              <a:rPr lang="sv-SE" sz="1500" dirty="0">
+                <a:solidFill>
+                  <a:schemeClr val="accent1">
+                    <a:lumMod val="75000"/>
+                  </a:schemeClr>
+                </a:solidFill>
+              </a:rPr>
+              <a:t> createMap_width200_True(){</a:t>
+            </a:r>
+          </a:p>
+          <a:p>
+            <a:pPr marL="0" indent="0">
+              <a:buNone/>
+            </a:pPr>
+            <a:r>
+              <a:rPr lang="sv-SE" sz="1500" dirty="0">
+                <a:solidFill>
+                  <a:schemeClr val="accent1">
+                    <a:lumMod val="75000"/>
+                  </a:schemeClr>
+                </a:solidFill>
+              </a:rPr>
+              <a:t>       </a:t>
+            </a:r>
+            <a:r>
+              <a:rPr lang="sv-SE" sz="1500" dirty="0" err="1">
+                <a:solidFill>
+                  <a:schemeClr val="accent1">
+                    <a:lumMod val="75000"/>
+                  </a:schemeClr>
+                </a:solidFill>
+              </a:rPr>
+              <a:t>assertEquals</a:t>
+            </a:r>
+            <a:r>
+              <a:rPr lang="sv-SE" sz="1500" dirty="0">
+                <a:solidFill>
+                  <a:schemeClr val="accent1">
+                    <a:lumMod val="75000"/>
+                  </a:schemeClr>
+                </a:solidFill>
+              </a:rPr>
+              <a:t>(200, </a:t>
+            </a:r>
+            <a:r>
+              <a:rPr lang="sv-SE" sz="1500" dirty="0" err="1">
+                <a:solidFill>
+                  <a:schemeClr val="accent1">
+                    <a:lumMod val="75000"/>
+                  </a:schemeClr>
+                </a:solidFill>
+              </a:rPr>
+              <a:t>map.getMap</a:t>
+            </a:r>
+            <a:r>
+              <a:rPr lang="sv-SE" sz="1500" dirty="0">
+                <a:solidFill>
+                  <a:schemeClr val="accent1">
+                    <a:lumMod val="75000"/>
+                  </a:schemeClr>
+                </a:solidFill>
+              </a:rPr>
+              <a:t>()[0].</a:t>
+            </a:r>
+            <a:r>
+              <a:rPr lang="sv-SE" sz="1500" dirty="0" err="1">
+                <a:solidFill>
+                  <a:schemeClr val="accent1">
+                    <a:lumMod val="75000"/>
+                  </a:schemeClr>
+                </a:solidFill>
+              </a:rPr>
+              <a:t>length</a:t>
+            </a:r>
+            <a:r>
+              <a:rPr lang="sv-SE" sz="1500" dirty="0">
+                <a:solidFill>
+                  <a:schemeClr val="accent1">
+                    <a:lumMod val="75000"/>
+                  </a:schemeClr>
+                </a:solidFill>
+              </a:rPr>
+              <a:t>);</a:t>
+            </a:r>
+          </a:p>
+          <a:p>
+            <a:pPr marL="0" indent="0">
+              <a:buNone/>
+            </a:pPr>
+            <a:r>
+              <a:rPr lang="sv-SE" sz="1500" dirty="0">
+                <a:solidFill>
+                  <a:schemeClr val="accent1">
+                    <a:lumMod val="75000"/>
+                  </a:schemeClr>
+                </a:solidFill>
+              </a:rPr>
+              <a:t>   }</a:t>
+            </a:r>
+          </a:p>
+          <a:p>
+            <a:pPr marL="0" indent="0">
+              <a:buNone/>
+            </a:pPr>
+            <a:endParaRPr lang="sv-SE" sz="1500" dirty="0">
+              <a:solidFill>
+                <a:schemeClr val="accent1">
+                  <a:lumMod val="75000"/>
+                </a:schemeClr>
+              </a:solidFill>
+            </a:endParaRPr>
+          </a:p>
+          <a:p>
+            <a:pPr marL="0" indent="0">
+              <a:buNone/>
+            </a:pPr>
+            <a:r>
+              <a:rPr lang="sv-SE" sz="1500" dirty="0">
+                <a:solidFill>
+                  <a:schemeClr val="accent1">
+                    <a:lumMod val="75000"/>
+                  </a:schemeClr>
+                </a:solidFill>
+              </a:rPr>
+              <a:t>   @Test</a:t>
+            </a:r>
+          </a:p>
+          <a:p>
+            <a:pPr marL="0" indent="0">
+              <a:buNone/>
+            </a:pPr>
+            <a:r>
+              <a:rPr lang="sv-SE" sz="1500" dirty="0">
+                <a:solidFill>
+                  <a:schemeClr val="accent1">
+                    <a:lumMod val="75000"/>
+                  </a:schemeClr>
+                </a:solidFill>
+              </a:rPr>
+              <a:t>   public </a:t>
+            </a:r>
+            <a:r>
+              <a:rPr lang="sv-SE" sz="1500" dirty="0" err="1">
+                <a:solidFill>
+                  <a:schemeClr val="accent1">
+                    <a:lumMod val="75000"/>
+                  </a:schemeClr>
+                </a:solidFill>
+              </a:rPr>
+              <a:t>void</a:t>
+            </a:r>
+            <a:r>
+              <a:rPr lang="sv-SE" sz="1500" dirty="0">
+                <a:solidFill>
+                  <a:schemeClr val="accent1">
+                    <a:lumMod val="75000"/>
+                  </a:schemeClr>
+                </a:solidFill>
+              </a:rPr>
+              <a:t> createMap_height100_True(){</a:t>
+            </a:r>
+          </a:p>
+          <a:p>
+            <a:pPr marL="0" indent="0">
+              <a:buNone/>
+            </a:pPr>
+            <a:r>
+              <a:rPr lang="sv-SE" sz="1500" dirty="0">
+                <a:solidFill>
+                  <a:schemeClr val="accent1">
+                    <a:lumMod val="75000"/>
+                  </a:schemeClr>
+                </a:solidFill>
+              </a:rPr>
+              <a:t>       </a:t>
+            </a:r>
+            <a:r>
+              <a:rPr lang="sv-SE" sz="1500" dirty="0" err="1">
+                <a:solidFill>
+                  <a:schemeClr val="accent1">
+                    <a:lumMod val="75000"/>
+                  </a:schemeClr>
+                </a:solidFill>
+              </a:rPr>
+              <a:t>assertEquals</a:t>
+            </a:r>
+            <a:r>
+              <a:rPr lang="sv-SE" sz="1500" dirty="0">
+                <a:solidFill>
+                  <a:schemeClr val="accent1">
+                    <a:lumMod val="75000"/>
+                  </a:schemeClr>
+                </a:solidFill>
+              </a:rPr>
+              <a:t>(100, </a:t>
+            </a:r>
+            <a:r>
+              <a:rPr lang="sv-SE" sz="1500" dirty="0" err="1">
+                <a:solidFill>
+                  <a:schemeClr val="accent1">
+                    <a:lumMod val="75000"/>
+                  </a:schemeClr>
+                </a:solidFill>
+              </a:rPr>
+              <a:t>map.getMap</a:t>
+            </a:r>
+            <a:r>
+              <a:rPr lang="sv-SE" sz="1500" dirty="0">
+                <a:solidFill>
+                  <a:schemeClr val="accent1">
+                    <a:lumMod val="75000"/>
+                  </a:schemeClr>
+                </a:solidFill>
+              </a:rPr>
+              <a:t>().</a:t>
+            </a:r>
+            <a:r>
+              <a:rPr lang="sv-SE" sz="1500" dirty="0" err="1">
+                <a:solidFill>
+                  <a:schemeClr val="accent1">
+                    <a:lumMod val="75000"/>
+                  </a:schemeClr>
+                </a:solidFill>
+              </a:rPr>
+              <a:t>length</a:t>
+            </a:r>
+            <a:r>
+              <a:rPr lang="sv-SE" sz="1500" dirty="0">
+                <a:solidFill>
+                  <a:schemeClr val="accent1">
+                    <a:lumMod val="75000"/>
+                  </a:schemeClr>
+                </a:solidFill>
+              </a:rPr>
+              <a:t>);</a:t>
+            </a:r>
+          </a:p>
+          <a:p>
+            <a:pPr marL="0" indent="0">
+              <a:buNone/>
+            </a:pPr>
+            <a:r>
+              <a:rPr lang="sv-SE" sz="1500" dirty="0">
+                <a:solidFill>
+                  <a:schemeClr val="accent1">
+                    <a:lumMod val="75000"/>
+                  </a:schemeClr>
+                </a:solidFill>
+              </a:rPr>
+              <a:t>   }</a:t>
+            </a:r>
           </a:p>
         </p:txBody>
       </p:sp>
@@ -29748,7 +30188,12 @@
             <p:ph type="body" sz="quarter" idx="3"/>
           </p:nvPr>
         </p:nvSpPr>
-        <p:spPr/>
+        <p:spPr>
+          <a:xfrm>
+            <a:off x="5780868" y="1681163"/>
+            <a:ext cx="5574520" cy="473101"/>
+          </a:xfrm>
+        </p:spPr>
         <p:txBody>
           <a:bodyPr/>
           <a:lstStyle/>
@@ -29770,15 +30215,1041 @@
             <p:ph sz="quarter" idx="4"/>
           </p:nvPr>
         </p:nvSpPr>
-        <p:spPr/>
+        <p:spPr>
+          <a:xfrm>
+            <a:off x="5780868" y="2154264"/>
+            <a:ext cx="5574520" cy="4035399"/>
+          </a:xfrm>
+        </p:spPr>
         <p:txBody>
-          <a:bodyPr/>
+          <a:bodyPr>
+            <a:noAutofit/>
+          </a:bodyPr>
           <a:lstStyle/>
           <a:p>
             <a:pPr marL="0" indent="0">
+              <a:lnSpc>
+                <a:spcPct val="120000"/>
+              </a:lnSpc>
+              <a:spcBef>
+                <a:spcPts val="0"/>
+              </a:spcBef>
               <a:buNone/>
             </a:pPr>
-            <a:endParaRPr lang="sv-SE" dirty="0"/>
+            <a:r>
+              <a:rPr lang="sv-SE" sz="1500" dirty="0">
+                <a:solidFill>
+                  <a:schemeClr val="accent1">
+                    <a:lumMod val="75000"/>
+                  </a:schemeClr>
+                </a:solidFill>
+              </a:rPr>
+              <a:t>public </a:t>
+            </a:r>
+            <a:r>
+              <a:rPr lang="sv-SE" sz="1500" dirty="0" err="1">
+                <a:solidFill>
+                  <a:schemeClr val="accent1">
+                    <a:lumMod val="75000"/>
+                  </a:schemeClr>
+                </a:solidFill>
+              </a:rPr>
+              <a:t>class</a:t>
+            </a:r>
+            <a:r>
+              <a:rPr lang="sv-SE" sz="1500" dirty="0">
+                <a:solidFill>
+                  <a:schemeClr val="accent1">
+                    <a:lumMod val="75000"/>
+                  </a:schemeClr>
+                </a:solidFill>
+              </a:rPr>
+              <a:t> </a:t>
+            </a:r>
+            <a:r>
+              <a:rPr lang="sv-SE" sz="1500" dirty="0" err="1">
+                <a:solidFill>
+                  <a:schemeClr val="accent1">
+                    <a:lumMod val="75000"/>
+                  </a:schemeClr>
+                </a:solidFill>
+              </a:rPr>
+              <a:t>Map</a:t>
+            </a:r>
+            <a:r>
+              <a:rPr lang="sv-SE" sz="1500" dirty="0">
+                <a:solidFill>
+                  <a:schemeClr val="accent1">
+                    <a:lumMod val="75000"/>
+                  </a:schemeClr>
+                </a:solidFill>
+              </a:rPr>
+              <a:t>:</a:t>
+            </a:r>
+          </a:p>
+          <a:p>
+            <a:pPr marL="0" indent="0">
+              <a:lnSpc>
+                <a:spcPct val="120000"/>
+              </a:lnSpc>
+              <a:spcBef>
+                <a:spcPts val="0"/>
+              </a:spcBef>
+              <a:buNone/>
+            </a:pPr>
+            <a:r>
+              <a:rPr lang="sv-SE" sz="1500" dirty="0">
+                <a:solidFill>
+                  <a:schemeClr val="accent1">
+                    <a:lumMod val="75000"/>
+                  </a:schemeClr>
+                </a:solidFill>
+              </a:rPr>
+              <a:t>   private </a:t>
+            </a:r>
+            <a:r>
+              <a:rPr lang="sv-SE" sz="1500" dirty="0" err="1">
+                <a:solidFill>
+                  <a:schemeClr val="accent1">
+                    <a:lumMod val="75000"/>
+                  </a:schemeClr>
+                </a:solidFill>
+              </a:rPr>
+              <a:t>int</a:t>
+            </a:r>
+            <a:r>
+              <a:rPr lang="sv-SE" sz="1500" dirty="0">
+                <a:solidFill>
+                  <a:schemeClr val="accent1">
+                    <a:lumMod val="75000"/>
+                  </a:schemeClr>
+                </a:solidFill>
+              </a:rPr>
+              <a:t> </a:t>
+            </a:r>
+            <a:r>
+              <a:rPr lang="sv-SE" sz="1500" dirty="0" err="1">
+                <a:solidFill>
+                  <a:schemeClr val="accent1">
+                    <a:lumMod val="75000"/>
+                  </a:schemeClr>
+                </a:solidFill>
+              </a:rPr>
+              <a:t>width</a:t>
+            </a:r>
+            <a:r>
+              <a:rPr lang="sv-SE" sz="1500" dirty="0">
+                <a:solidFill>
+                  <a:schemeClr val="accent1">
+                    <a:lumMod val="75000"/>
+                  </a:schemeClr>
+                </a:solidFill>
+              </a:rPr>
+              <a:t>;</a:t>
+            </a:r>
+          </a:p>
+          <a:p>
+            <a:pPr marL="0" indent="0">
+              <a:lnSpc>
+                <a:spcPct val="120000"/>
+              </a:lnSpc>
+              <a:spcBef>
+                <a:spcPts val="0"/>
+              </a:spcBef>
+              <a:buNone/>
+            </a:pPr>
+            <a:r>
+              <a:rPr lang="sv-SE" sz="1500" dirty="0">
+                <a:solidFill>
+                  <a:schemeClr val="accent1">
+                    <a:lumMod val="75000"/>
+                  </a:schemeClr>
+                </a:solidFill>
+              </a:rPr>
+              <a:t>   private </a:t>
+            </a:r>
+            <a:r>
+              <a:rPr lang="sv-SE" sz="1500" dirty="0" err="1">
+                <a:solidFill>
+                  <a:schemeClr val="accent1">
+                    <a:lumMod val="75000"/>
+                  </a:schemeClr>
+                </a:solidFill>
+              </a:rPr>
+              <a:t>int</a:t>
+            </a:r>
+            <a:r>
+              <a:rPr lang="sv-SE" sz="1500" dirty="0">
+                <a:solidFill>
+                  <a:schemeClr val="accent1">
+                    <a:lumMod val="75000"/>
+                  </a:schemeClr>
+                </a:solidFill>
+              </a:rPr>
+              <a:t> </a:t>
+            </a:r>
+            <a:r>
+              <a:rPr lang="sv-SE" sz="1500" dirty="0" err="1">
+                <a:solidFill>
+                  <a:schemeClr val="accent1">
+                    <a:lumMod val="75000"/>
+                  </a:schemeClr>
+                </a:solidFill>
+              </a:rPr>
+              <a:t>height</a:t>
+            </a:r>
+            <a:r>
+              <a:rPr lang="sv-SE" sz="1500" dirty="0">
+                <a:solidFill>
+                  <a:schemeClr val="accent1">
+                    <a:lumMod val="75000"/>
+                  </a:schemeClr>
+                </a:solidFill>
+              </a:rPr>
+              <a:t>;</a:t>
+            </a:r>
+          </a:p>
+          <a:p>
+            <a:pPr marL="0" indent="0">
+              <a:lnSpc>
+                <a:spcPct val="120000"/>
+              </a:lnSpc>
+              <a:spcBef>
+                <a:spcPts val="0"/>
+              </a:spcBef>
+              <a:buNone/>
+            </a:pPr>
+            <a:r>
+              <a:rPr lang="sv-SE" sz="1500" dirty="0">
+                <a:solidFill>
+                  <a:schemeClr val="accent1">
+                    <a:lumMod val="75000"/>
+                  </a:schemeClr>
+                </a:solidFill>
+              </a:rPr>
+              <a:t>   private </a:t>
+            </a:r>
+            <a:r>
+              <a:rPr lang="sv-SE" sz="1500" dirty="0" err="1">
+                <a:solidFill>
+                  <a:schemeClr val="accent1">
+                    <a:lumMod val="75000"/>
+                  </a:schemeClr>
+                </a:solidFill>
+              </a:rPr>
+              <a:t>GameObject</a:t>
+            </a:r>
+            <a:r>
+              <a:rPr lang="sv-SE" sz="1500" dirty="0">
+                <a:solidFill>
+                  <a:schemeClr val="accent1">
+                    <a:lumMod val="75000"/>
+                  </a:schemeClr>
+                </a:solidFill>
+              </a:rPr>
+              <a:t>[][] </a:t>
+            </a:r>
+            <a:r>
+              <a:rPr lang="sv-SE" sz="1500" dirty="0" err="1">
+                <a:solidFill>
+                  <a:schemeClr val="accent1">
+                    <a:lumMod val="75000"/>
+                  </a:schemeClr>
+                </a:solidFill>
+              </a:rPr>
+              <a:t>map</a:t>
+            </a:r>
+            <a:r>
+              <a:rPr lang="sv-SE" sz="1500" dirty="0">
+                <a:solidFill>
+                  <a:schemeClr val="accent1">
+                    <a:lumMod val="75000"/>
+                  </a:schemeClr>
+                </a:solidFill>
+              </a:rPr>
+              <a:t>;</a:t>
+            </a:r>
+          </a:p>
+          <a:p>
+            <a:pPr marL="0" indent="0">
+              <a:lnSpc>
+                <a:spcPct val="120000"/>
+              </a:lnSpc>
+              <a:spcBef>
+                <a:spcPts val="0"/>
+              </a:spcBef>
+              <a:buNone/>
+            </a:pPr>
+            <a:endParaRPr lang="sv-SE" sz="900" dirty="0">
+              <a:solidFill>
+                <a:schemeClr val="accent1">
+                  <a:lumMod val="75000"/>
+                </a:schemeClr>
+              </a:solidFill>
+            </a:endParaRPr>
+          </a:p>
+          <a:p>
+            <a:pPr marL="0" indent="0">
+              <a:lnSpc>
+                <a:spcPct val="120000"/>
+              </a:lnSpc>
+              <a:spcBef>
+                <a:spcPts val="0"/>
+              </a:spcBef>
+              <a:buNone/>
+            </a:pPr>
+            <a:r>
+              <a:rPr lang="sv-SE" sz="1500" dirty="0">
+                <a:solidFill>
+                  <a:schemeClr val="accent1">
+                    <a:lumMod val="75000"/>
+                  </a:schemeClr>
+                </a:solidFill>
+              </a:rPr>
+              <a:t>   </a:t>
+            </a:r>
+            <a:r>
+              <a:rPr lang="sv-SE" sz="1500" dirty="0" err="1">
+                <a:solidFill>
+                  <a:schemeClr val="accent1">
+                    <a:lumMod val="75000"/>
+                  </a:schemeClr>
+                </a:solidFill>
+              </a:rPr>
+              <a:t>Map</a:t>
+            </a:r>
+            <a:r>
+              <a:rPr lang="sv-SE" sz="1500" dirty="0">
+                <a:solidFill>
+                  <a:schemeClr val="accent1">
+                    <a:lumMod val="75000"/>
+                  </a:schemeClr>
+                </a:solidFill>
+              </a:rPr>
+              <a:t>(</a:t>
+            </a:r>
+            <a:r>
+              <a:rPr lang="sv-SE" sz="1500" dirty="0" err="1">
+                <a:solidFill>
+                  <a:schemeClr val="accent1">
+                    <a:lumMod val="75000"/>
+                  </a:schemeClr>
+                </a:solidFill>
+              </a:rPr>
+              <a:t>int</a:t>
+            </a:r>
+            <a:r>
+              <a:rPr lang="sv-SE" sz="1500" dirty="0">
+                <a:solidFill>
+                  <a:schemeClr val="accent1">
+                    <a:lumMod val="75000"/>
+                  </a:schemeClr>
+                </a:solidFill>
+              </a:rPr>
+              <a:t> </a:t>
+            </a:r>
+            <a:r>
+              <a:rPr lang="sv-SE" sz="1500" dirty="0" err="1">
+                <a:solidFill>
+                  <a:schemeClr val="accent1">
+                    <a:lumMod val="75000"/>
+                  </a:schemeClr>
+                </a:solidFill>
+              </a:rPr>
+              <a:t>width</a:t>
+            </a:r>
+            <a:r>
+              <a:rPr lang="sv-SE" sz="1500" dirty="0">
+                <a:solidFill>
+                  <a:schemeClr val="accent1">
+                    <a:lumMod val="75000"/>
+                  </a:schemeClr>
+                </a:solidFill>
+              </a:rPr>
+              <a:t>, </a:t>
+            </a:r>
+            <a:r>
+              <a:rPr lang="sv-SE" sz="1500" dirty="0" err="1">
+                <a:solidFill>
+                  <a:schemeClr val="accent1">
+                    <a:lumMod val="75000"/>
+                  </a:schemeClr>
+                </a:solidFill>
+              </a:rPr>
+              <a:t>int</a:t>
+            </a:r>
+            <a:r>
+              <a:rPr lang="sv-SE" sz="1500" dirty="0">
+                <a:solidFill>
+                  <a:schemeClr val="accent1">
+                    <a:lumMod val="75000"/>
+                  </a:schemeClr>
+                </a:solidFill>
+              </a:rPr>
+              <a:t> </a:t>
+            </a:r>
+            <a:r>
+              <a:rPr lang="sv-SE" sz="1500" dirty="0" err="1">
+                <a:solidFill>
+                  <a:schemeClr val="accent1">
+                    <a:lumMod val="75000"/>
+                  </a:schemeClr>
+                </a:solidFill>
+              </a:rPr>
+              <a:t>height</a:t>
+            </a:r>
+            <a:r>
+              <a:rPr lang="sv-SE" sz="1500" dirty="0">
+                <a:solidFill>
+                  <a:schemeClr val="accent1">
+                    <a:lumMod val="75000"/>
+                  </a:schemeClr>
+                </a:solidFill>
+              </a:rPr>
+              <a:t>) {</a:t>
+            </a:r>
+          </a:p>
+          <a:p>
+            <a:pPr marL="0" indent="0">
+              <a:lnSpc>
+                <a:spcPct val="120000"/>
+              </a:lnSpc>
+              <a:spcBef>
+                <a:spcPts val="0"/>
+              </a:spcBef>
+              <a:buNone/>
+            </a:pPr>
+            <a:r>
+              <a:rPr lang="sv-SE" sz="1500" dirty="0">
+                <a:solidFill>
+                  <a:schemeClr val="accent1">
+                    <a:lumMod val="75000"/>
+                  </a:schemeClr>
+                </a:solidFill>
+              </a:rPr>
+              <a:t>       </a:t>
+            </a:r>
+            <a:r>
+              <a:rPr lang="sv-SE" sz="1500" dirty="0" err="1">
+                <a:solidFill>
+                  <a:schemeClr val="accent1">
+                    <a:lumMod val="75000"/>
+                  </a:schemeClr>
+                </a:solidFill>
+              </a:rPr>
+              <a:t>this.width</a:t>
+            </a:r>
+            <a:r>
+              <a:rPr lang="sv-SE" sz="1500" dirty="0">
+                <a:solidFill>
+                  <a:schemeClr val="accent1">
+                    <a:lumMod val="75000"/>
+                  </a:schemeClr>
+                </a:solidFill>
+              </a:rPr>
+              <a:t> = </a:t>
+            </a:r>
+            <a:r>
+              <a:rPr lang="sv-SE" sz="1500" dirty="0" err="1">
+                <a:solidFill>
+                  <a:schemeClr val="accent1">
+                    <a:lumMod val="75000"/>
+                  </a:schemeClr>
+                </a:solidFill>
+              </a:rPr>
+              <a:t>width</a:t>
+            </a:r>
+            <a:r>
+              <a:rPr lang="sv-SE" sz="1500" dirty="0">
+                <a:solidFill>
+                  <a:schemeClr val="accent1">
+                    <a:lumMod val="75000"/>
+                  </a:schemeClr>
+                </a:solidFill>
+              </a:rPr>
+              <a:t>;</a:t>
+            </a:r>
+          </a:p>
+          <a:p>
+            <a:pPr marL="0" indent="0">
+              <a:lnSpc>
+                <a:spcPct val="120000"/>
+              </a:lnSpc>
+              <a:spcBef>
+                <a:spcPts val="0"/>
+              </a:spcBef>
+              <a:buNone/>
+            </a:pPr>
+            <a:r>
+              <a:rPr lang="sv-SE" sz="1500" dirty="0">
+                <a:solidFill>
+                  <a:schemeClr val="accent1">
+                    <a:lumMod val="75000"/>
+                  </a:schemeClr>
+                </a:solidFill>
+              </a:rPr>
+              <a:t>       </a:t>
+            </a:r>
+            <a:r>
+              <a:rPr lang="sv-SE" sz="1500" dirty="0" err="1">
+                <a:solidFill>
+                  <a:schemeClr val="accent1">
+                    <a:lumMod val="75000"/>
+                  </a:schemeClr>
+                </a:solidFill>
+              </a:rPr>
+              <a:t>this.height</a:t>
+            </a:r>
+            <a:r>
+              <a:rPr lang="sv-SE" sz="1500" dirty="0">
+                <a:solidFill>
+                  <a:schemeClr val="accent1">
+                    <a:lumMod val="75000"/>
+                  </a:schemeClr>
+                </a:solidFill>
+              </a:rPr>
+              <a:t> = </a:t>
+            </a:r>
+            <a:r>
+              <a:rPr lang="sv-SE" sz="1500" dirty="0" err="1">
+                <a:solidFill>
+                  <a:schemeClr val="accent1">
+                    <a:lumMod val="75000"/>
+                  </a:schemeClr>
+                </a:solidFill>
+              </a:rPr>
+              <a:t>height</a:t>
+            </a:r>
+            <a:r>
+              <a:rPr lang="sv-SE" sz="1500" dirty="0">
+                <a:solidFill>
+                  <a:schemeClr val="accent1">
+                    <a:lumMod val="75000"/>
+                  </a:schemeClr>
+                </a:solidFill>
+              </a:rPr>
+              <a:t>;</a:t>
+            </a:r>
+          </a:p>
+          <a:p>
+            <a:pPr marL="0" indent="0">
+              <a:lnSpc>
+                <a:spcPct val="120000"/>
+              </a:lnSpc>
+              <a:spcBef>
+                <a:spcPts val="0"/>
+              </a:spcBef>
+              <a:buNone/>
+            </a:pPr>
+            <a:r>
+              <a:rPr lang="sv-SE" sz="1500" dirty="0">
+                <a:solidFill>
+                  <a:schemeClr val="accent1">
+                    <a:lumMod val="75000"/>
+                  </a:schemeClr>
+                </a:solidFill>
+              </a:rPr>
+              <a:t>       </a:t>
+            </a:r>
+            <a:r>
+              <a:rPr lang="sv-SE" sz="1500" dirty="0" err="1">
+                <a:solidFill>
+                  <a:schemeClr val="accent1">
+                    <a:lumMod val="75000"/>
+                  </a:schemeClr>
+                </a:solidFill>
+              </a:rPr>
+              <a:t>createMap</a:t>
+            </a:r>
+            <a:r>
+              <a:rPr lang="sv-SE" sz="1500" dirty="0">
+                <a:solidFill>
+                  <a:schemeClr val="accent1">
+                    <a:lumMod val="75000"/>
+                  </a:schemeClr>
+                </a:solidFill>
+              </a:rPr>
+              <a:t>();</a:t>
+            </a:r>
+          </a:p>
+          <a:p>
+            <a:pPr marL="0" indent="0">
+              <a:lnSpc>
+                <a:spcPct val="120000"/>
+              </a:lnSpc>
+              <a:spcBef>
+                <a:spcPts val="0"/>
+              </a:spcBef>
+              <a:buNone/>
+            </a:pPr>
+            <a:r>
+              <a:rPr lang="sv-SE" sz="1500" dirty="0">
+                <a:solidFill>
+                  <a:schemeClr val="accent1">
+                    <a:lumMod val="75000"/>
+                  </a:schemeClr>
+                </a:solidFill>
+              </a:rPr>
+              <a:t>   }</a:t>
+            </a:r>
+          </a:p>
+          <a:p>
+            <a:pPr marL="0" indent="0">
+              <a:lnSpc>
+                <a:spcPct val="120000"/>
+              </a:lnSpc>
+              <a:spcBef>
+                <a:spcPts val="0"/>
+              </a:spcBef>
+              <a:buNone/>
+            </a:pPr>
+            <a:endParaRPr lang="sv-SE" sz="900" dirty="0">
+              <a:solidFill>
+                <a:schemeClr val="accent1">
+                  <a:lumMod val="75000"/>
+                </a:schemeClr>
+              </a:solidFill>
+            </a:endParaRPr>
+          </a:p>
+          <a:p>
+            <a:pPr marL="0" indent="0">
+              <a:lnSpc>
+                <a:spcPct val="120000"/>
+              </a:lnSpc>
+              <a:spcBef>
+                <a:spcPts val="0"/>
+              </a:spcBef>
+              <a:buNone/>
+            </a:pPr>
+            <a:r>
+              <a:rPr lang="sv-SE" sz="1500" dirty="0">
+                <a:solidFill>
+                  <a:schemeClr val="accent1">
+                    <a:lumMod val="75000"/>
+                  </a:schemeClr>
+                </a:solidFill>
+              </a:rPr>
+              <a:t>   public </a:t>
+            </a:r>
+            <a:r>
+              <a:rPr lang="sv-SE" sz="1500" dirty="0" err="1">
+                <a:solidFill>
+                  <a:schemeClr val="accent1">
+                    <a:lumMod val="75000"/>
+                  </a:schemeClr>
+                </a:solidFill>
+              </a:rPr>
+              <a:t>int</a:t>
+            </a:r>
+            <a:r>
+              <a:rPr lang="sv-SE" sz="1500" dirty="0">
+                <a:solidFill>
+                  <a:schemeClr val="accent1">
+                    <a:lumMod val="75000"/>
+                  </a:schemeClr>
+                </a:solidFill>
+              </a:rPr>
+              <a:t> </a:t>
+            </a:r>
+            <a:r>
+              <a:rPr lang="sv-SE" sz="1500" dirty="0" err="1">
+                <a:solidFill>
+                  <a:schemeClr val="accent1">
+                    <a:lumMod val="75000"/>
+                  </a:schemeClr>
+                </a:solidFill>
+              </a:rPr>
+              <a:t>getWidth</a:t>
+            </a:r>
+            <a:r>
+              <a:rPr lang="sv-SE" sz="1500" dirty="0">
+                <a:solidFill>
+                  <a:schemeClr val="accent1">
+                    <a:lumMod val="75000"/>
+                  </a:schemeClr>
+                </a:solidFill>
+              </a:rPr>
+              <a:t>() {</a:t>
+            </a:r>
+          </a:p>
+          <a:p>
+            <a:pPr marL="0" indent="0">
+              <a:lnSpc>
+                <a:spcPct val="120000"/>
+              </a:lnSpc>
+              <a:spcBef>
+                <a:spcPts val="0"/>
+              </a:spcBef>
+              <a:buNone/>
+            </a:pPr>
+            <a:r>
+              <a:rPr lang="sv-SE" sz="1500" dirty="0">
+                <a:solidFill>
+                  <a:schemeClr val="accent1">
+                    <a:lumMod val="75000"/>
+                  </a:schemeClr>
+                </a:solidFill>
+              </a:rPr>
+              <a:t>   public </a:t>
+            </a:r>
+            <a:r>
+              <a:rPr lang="sv-SE" sz="1500" dirty="0" err="1">
+                <a:solidFill>
+                  <a:schemeClr val="accent1">
+                    <a:lumMod val="75000"/>
+                  </a:schemeClr>
+                </a:solidFill>
+              </a:rPr>
+              <a:t>int</a:t>
+            </a:r>
+            <a:r>
+              <a:rPr lang="sv-SE" sz="1500" dirty="0">
+                <a:solidFill>
+                  <a:schemeClr val="accent1">
+                    <a:lumMod val="75000"/>
+                  </a:schemeClr>
+                </a:solidFill>
+              </a:rPr>
+              <a:t> </a:t>
+            </a:r>
+            <a:r>
+              <a:rPr lang="sv-SE" sz="1500" dirty="0" err="1">
+                <a:solidFill>
+                  <a:schemeClr val="accent1">
+                    <a:lumMod val="75000"/>
+                  </a:schemeClr>
+                </a:solidFill>
+              </a:rPr>
+              <a:t>getHeight</a:t>
+            </a:r>
+            <a:r>
+              <a:rPr lang="sv-SE" sz="1500" dirty="0">
+                <a:solidFill>
+                  <a:schemeClr val="accent1">
+                    <a:lumMod val="75000"/>
+                  </a:schemeClr>
+                </a:solidFill>
+              </a:rPr>
+              <a:t>() { </a:t>
+            </a:r>
+            <a:r>
+              <a:rPr lang="sv-SE" sz="1500" dirty="0" err="1">
+                <a:solidFill>
+                  <a:schemeClr val="accent1">
+                    <a:lumMod val="75000"/>
+                  </a:schemeClr>
+                </a:solidFill>
+              </a:rPr>
+              <a:t>return</a:t>
+            </a:r>
+            <a:r>
+              <a:rPr lang="sv-SE" sz="1500" dirty="0">
+                <a:solidFill>
+                  <a:schemeClr val="accent1">
+                    <a:lumMod val="75000"/>
+                  </a:schemeClr>
+                </a:solidFill>
+              </a:rPr>
+              <a:t> </a:t>
+            </a:r>
+            <a:r>
+              <a:rPr lang="sv-SE" sz="1500" dirty="0" err="1">
+                <a:solidFill>
+                  <a:schemeClr val="accent1">
+                    <a:lumMod val="75000"/>
+                  </a:schemeClr>
+                </a:solidFill>
+              </a:rPr>
+              <a:t>this.height</a:t>
+            </a:r>
+            <a:r>
+              <a:rPr lang="sv-SE" sz="1500" dirty="0">
+                <a:solidFill>
+                  <a:schemeClr val="accent1">
+                    <a:lumMod val="75000"/>
+                  </a:schemeClr>
+                </a:solidFill>
+              </a:rPr>
+              <a:t>; }</a:t>
+            </a:r>
+          </a:p>
+          <a:p>
+            <a:pPr marL="0" indent="0">
+              <a:lnSpc>
+                <a:spcPct val="120000"/>
+              </a:lnSpc>
+              <a:spcBef>
+                <a:spcPts val="0"/>
+              </a:spcBef>
+              <a:buNone/>
+            </a:pPr>
+            <a:endParaRPr lang="sv-SE" sz="900" dirty="0">
+              <a:solidFill>
+                <a:schemeClr val="accent1">
+                  <a:lumMod val="75000"/>
+                </a:schemeClr>
+              </a:solidFill>
+            </a:endParaRPr>
+          </a:p>
+          <a:p>
+            <a:pPr marL="0" indent="0">
+              <a:lnSpc>
+                <a:spcPct val="120000"/>
+              </a:lnSpc>
+              <a:spcBef>
+                <a:spcPts val="0"/>
+              </a:spcBef>
+              <a:buNone/>
+            </a:pPr>
+            <a:r>
+              <a:rPr lang="sv-SE" sz="1500" dirty="0">
+                <a:solidFill>
+                  <a:schemeClr val="accent1">
+                    <a:lumMod val="75000"/>
+                  </a:schemeClr>
+                </a:solidFill>
+              </a:rPr>
+              <a:t>   private </a:t>
+            </a:r>
+            <a:r>
+              <a:rPr lang="sv-SE" sz="1500" dirty="0" err="1">
+                <a:solidFill>
+                  <a:schemeClr val="accent1">
+                    <a:lumMod val="75000"/>
+                  </a:schemeClr>
+                </a:solidFill>
+              </a:rPr>
+              <a:t>void</a:t>
+            </a:r>
+            <a:r>
+              <a:rPr lang="sv-SE" sz="1500" dirty="0">
+                <a:solidFill>
+                  <a:schemeClr val="accent1">
+                    <a:lumMod val="75000"/>
+                  </a:schemeClr>
+                </a:solidFill>
+              </a:rPr>
+              <a:t> </a:t>
+            </a:r>
+            <a:r>
+              <a:rPr lang="sv-SE" sz="1500" dirty="0" err="1">
+                <a:solidFill>
+                  <a:schemeClr val="accent1">
+                    <a:lumMod val="75000"/>
+                  </a:schemeClr>
+                </a:solidFill>
+              </a:rPr>
+              <a:t>createMap</a:t>
+            </a:r>
+            <a:r>
+              <a:rPr lang="sv-SE" sz="1500" dirty="0">
+                <a:solidFill>
+                  <a:schemeClr val="accent1">
+                    <a:lumMod val="75000"/>
+                  </a:schemeClr>
+                </a:solidFill>
+              </a:rPr>
+              <a:t>(){ </a:t>
+            </a:r>
+            <a:r>
+              <a:rPr lang="sv-SE" sz="1500" dirty="0" err="1">
+                <a:solidFill>
+                  <a:schemeClr val="accent1">
+                    <a:lumMod val="75000"/>
+                  </a:schemeClr>
+                </a:solidFill>
+              </a:rPr>
+              <a:t>map</a:t>
+            </a:r>
+            <a:r>
+              <a:rPr lang="sv-SE" sz="1500" dirty="0">
+                <a:solidFill>
+                  <a:schemeClr val="accent1">
+                    <a:lumMod val="75000"/>
+                  </a:schemeClr>
+                </a:solidFill>
+              </a:rPr>
+              <a:t> = new </a:t>
+            </a:r>
+            <a:r>
+              <a:rPr lang="sv-SE" sz="1500" dirty="0" err="1">
+                <a:solidFill>
+                  <a:schemeClr val="accent1">
+                    <a:lumMod val="75000"/>
+                  </a:schemeClr>
+                </a:solidFill>
+              </a:rPr>
+              <a:t>GameObject</a:t>
+            </a:r>
+            <a:r>
+              <a:rPr lang="sv-SE" sz="1500" dirty="0">
+                <a:solidFill>
+                  <a:schemeClr val="accent1">
+                    <a:lumMod val="75000"/>
+                  </a:schemeClr>
+                </a:solidFill>
+              </a:rPr>
+              <a:t>[</a:t>
+            </a:r>
+            <a:r>
+              <a:rPr lang="sv-SE" sz="1500" dirty="0" err="1">
+                <a:solidFill>
+                  <a:schemeClr val="accent1">
+                    <a:lumMod val="75000"/>
+                  </a:schemeClr>
+                </a:solidFill>
+              </a:rPr>
+              <a:t>height</a:t>
+            </a:r>
+            <a:r>
+              <a:rPr lang="sv-SE" sz="1500" dirty="0">
+                <a:solidFill>
+                  <a:schemeClr val="accent1">
+                    <a:lumMod val="75000"/>
+                  </a:schemeClr>
+                </a:solidFill>
+              </a:rPr>
+              <a:t>][</a:t>
+            </a:r>
+            <a:r>
+              <a:rPr lang="sv-SE" sz="1500" dirty="0" err="1">
+                <a:solidFill>
+                  <a:schemeClr val="accent1">
+                    <a:lumMod val="75000"/>
+                  </a:schemeClr>
+                </a:solidFill>
+              </a:rPr>
+              <a:t>width</a:t>
+            </a:r>
+            <a:r>
+              <a:rPr lang="sv-SE" sz="1500" dirty="0">
+                <a:solidFill>
+                  <a:schemeClr val="accent1">
+                    <a:lumMod val="75000"/>
+                  </a:schemeClr>
+                </a:solidFill>
+              </a:rPr>
+              <a:t>]; }</a:t>
+            </a:r>
+          </a:p>
+          <a:p>
+            <a:pPr marL="0" indent="0">
+              <a:lnSpc>
+                <a:spcPct val="120000"/>
+              </a:lnSpc>
+              <a:spcBef>
+                <a:spcPts val="0"/>
+              </a:spcBef>
+              <a:buNone/>
+            </a:pPr>
+            <a:endParaRPr lang="sv-SE" sz="800" dirty="0">
+              <a:solidFill>
+                <a:schemeClr val="accent1">
+                  <a:lumMod val="75000"/>
+                </a:schemeClr>
+              </a:solidFill>
+            </a:endParaRPr>
+          </a:p>
+          <a:p>
+            <a:pPr marL="0" indent="0">
+              <a:lnSpc>
+                <a:spcPct val="120000"/>
+              </a:lnSpc>
+              <a:spcBef>
+                <a:spcPts val="0"/>
+              </a:spcBef>
+              <a:buNone/>
+            </a:pPr>
+            <a:r>
+              <a:rPr lang="sv-SE" sz="1500" dirty="0">
+                <a:solidFill>
+                  <a:schemeClr val="accent1">
+                    <a:lumMod val="75000"/>
+                  </a:schemeClr>
+                </a:solidFill>
+              </a:rPr>
+              <a:t>   public </a:t>
+            </a:r>
+            <a:r>
+              <a:rPr lang="sv-SE" sz="1500" dirty="0" err="1">
+                <a:solidFill>
+                  <a:schemeClr val="accent1">
+                    <a:lumMod val="75000"/>
+                  </a:schemeClr>
+                </a:solidFill>
+              </a:rPr>
+              <a:t>GameObject</a:t>
+            </a:r>
+            <a:r>
+              <a:rPr lang="sv-SE" sz="1500" dirty="0">
+                <a:solidFill>
+                  <a:schemeClr val="accent1">
+                    <a:lumMod val="75000"/>
+                  </a:schemeClr>
+                </a:solidFill>
+              </a:rPr>
+              <a:t>[][] </a:t>
+            </a:r>
+            <a:r>
+              <a:rPr lang="sv-SE" sz="1500" dirty="0" err="1">
+                <a:solidFill>
+                  <a:schemeClr val="accent1">
+                    <a:lumMod val="75000"/>
+                  </a:schemeClr>
+                </a:solidFill>
+              </a:rPr>
+              <a:t>getMap</a:t>
+            </a:r>
+            <a:r>
+              <a:rPr lang="sv-SE" sz="1500" dirty="0">
+                <a:solidFill>
+                  <a:schemeClr val="accent1">
+                    <a:lumMod val="75000"/>
+                  </a:schemeClr>
+                </a:solidFill>
+              </a:rPr>
+              <a:t>(){ </a:t>
+            </a:r>
+            <a:r>
+              <a:rPr lang="sv-SE" sz="1500" dirty="0" err="1">
+                <a:solidFill>
+                  <a:schemeClr val="accent1">
+                    <a:lumMod val="75000"/>
+                  </a:schemeClr>
+                </a:solidFill>
+              </a:rPr>
+              <a:t>return</a:t>
+            </a:r>
+            <a:r>
+              <a:rPr lang="sv-SE" sz="1500" dirty="0">
+                <a:solidFill>
+                  <a:schemeClr val="accent1">
+                    <a:lumMod val="75000"/>
+                  </a:schemeClr>
+                </a:solidFill>
+              </a:rPr>
+              <a:t> </a:t>
+            </a:r>
+            <a:r>
+              <a:rPr lang="sv-SE" sz="1500" dirty="0" err="1">
+                <a:solidFill>
+                  <a:schemeClr val="accent1">
+                    <a:lumMod val="75000"/>
+                  </a:schemeClr>
+                </a:solidFill>
+              </a:rPr>
+              <a:t>map</a:t>
+            </a:r>
+            <a:r>
+              <a:rPr lang="sv-SE" sz="1500" dirty="0">
+                <a:solidFill>
+                  <a:schemeClr val="accent1">
+                    <a:lumMod val="75000"/>
+                  </a:schemeClr>
+                </a:solidFill>
+              </a:rPr>
+              <a:t>; }</a:t>
+            </a:r>
           </a:p>
         </p:txBody>
       </p:sp>

--- a/docs/Slutredovisning_grp5_v9.pptx
+++ b/docs/Slutredovisning_grp5_v9.pptx
@@ -17879,6 +17879,17 @@
             <a:r>
               <a:rPr lang="sv-SE" dirty="0" err="1"/>
               <a:t>IntelliJ</a:t>
+            </a:r>
+            <a:endParaRPr lang="sv-SE" dirty="0"/>
+          </a:p>
+          <a:p>
+            <a:r>
+              <a:rPr lang="sv-SE" dirty="0" err="1"/>
+              <a:t>Netbeans</a:t>
+            </a:r>
+            <a:r>
+              <a:rPr lang="sv-SE"/>
+              <a:t> Profiler</a:t>
             </a:r>
             <a:endParaRPr lang="sv-SE" dirty="0"/>
           </a:p>

--- a/docs/Slutredovisning_grp5_v9.pptx
+++ b/docs/Slutredovisning_grp5_v9.pptx
@@ -251,7 +251,7 @@
           <a:p>
             <a:fld id="{78657D70-8167-4127-866D-BAA56A2DFFEF}" type="datetimeFigureOut">
               <a:rPr lang="sv-SE" smtClean="0"/>
-              <a:t>2018-10-30</a:t>
+              <a:t>2018-10-31</a:t>
             </a:fld>
             <a:endParaRPr lang="sv-SE"/>
           </a:p>
@@ -5831,7 +5831,7 @@
           <a:p>
             <a:fld id="{B4C653A3-D7FF-4AF7-943B-34A467C3139E}" type="datetimeFigureOut">
               <a:rPr lang="sv-SE" smtClean="0"/>
-              <a:t>2018-10-30</a:t>
+              <a:t>2018-10-31</a:t>
             </a:fld>
             <a:endParaRPr lang="sv-SE"/>
           </a:p>
@@ -5999,7 +5999,7 @@
           <a:p>
             <a:fld id="{B4C653A3-D7FF-4AF7-943B-34A467C3139E}" type="datetimeFigureOut">
               <a:rPr lang="sv-SE" smtClean="0"/>
-              <a:t>2018-10-30</a:t>
+              <a:t>2018-10-31</a:t>
             </a:fld>
             <a:endParaRPr lang="sv-SE"/>
           </a:p>
@@ -6177,7 +6177,7 @@
           <a:p>
             <a:fld id="{B4C653A3-D7FF-4AF7-943B-34A467C3139E}" type="datetimeFigureOut">
               <a:rPr lang="sv-SE" smtClean="0"/>
-              <a:t>2018-10-30</a:t>
+              <a:t>2018-10-31</a:t>
             </a:fld>
             <a:endParaRPr lang="sv-SE"/>
           </a:p>
@@ -6345,7 +6345,7 @@
           <a:p>
             <a:fld id="{B4C653A3-D7FF-4AF7-943B-34A467C3139E}" type="datetimeFigureOut">
               <a:rPr lang="sv-SE" smtClean="0"/>
-              <a:t>2018-10-30</a:t>
+              <a:t>2018-10-31</a:t>
             </a:fld>
             <a:endParaRPr lang="sv-SE"/>
           </a:p>
@@ -6590,7 +6590,7 @@
           <a:p>
             <a:fld id="{B4C653A3-D7FF-4AF7-943B-34A467C3139E}" type="datetimeFigureOut">
               <a:rPr lang="sv-SE" smtClean="0"/>
-              <a:t>2018-10-30</a:t>
+              <a:t>2018-10-31</a:t>
             </a:fld>
             <a:endParaRPr lang="sv-SE"/>
           </a:p>
@@ -6819,7 +6819,7 @@
           <a:p>
             <a:fld id="{B4C653A3-D7FF-4AF7-943B-34A467C3139E}" type="datetimeFigureOut">
               <a:rPr lang="sv-SE" smtClean="0"/>
-              <a:t>2018-10-30</a:t>
+              <a:t>2018-10-31</a:t>
             </a:fld>
             <a:endParaRPr lang="sv-SE"/>
           </a:p>
@@ -7183,7 +7183,7 @@
           <a:p>
             <a:fld id="{B4C653A3-D7FF-4AF7-943B-34A467C3139E}" type="datetimeFigureOut">
               <a:rPr lang="sv-SE" smtClean="0"/>
-              <a:t>2018-10-30</a:t>
+              <a:t>2018-10-31</a:t>
             </a:fld>
             <a:endParaRPr lang="sv-SE"/>
           </a:p>
@@ -7300,7 +7300,7 @@
           <a:p>
             <a:fld id="{B4C653A3-D7FF-4AF7-943B-34A467C3139E}" type="datetimeFigureOut">
               <a:rPr lang="sv-SE" smtClean="0"/>
-              <a:t>2018-10-30</a:t>
+              <a:t>2018-10-31</a:t>
             </a:fld>
             <a:endParaRPr lang="sv-SE"/>
           </a:p>
@@ -7395,7 +7395,7 @@
           <a:p>
             <a:fld id="{B4C653A3-D7FF-4AF7-943B-34A467C3139E}" type="datetimeFigureOut">
               <a:rPr lang="sv-SE" smtClean="0"/>
-              <a:t>2018-10-30</a:t>
+              <a:t>2018-10-31</a:t>
             </a:fld>
             <a:endParaRPr lang="sv-SE"/>
           </a:p>
@@ -7670,7 +7670,7 @@
           <a:p>
             <a:fld id="{B4C653A3-D7FF-4AF7-943B-34A467C3139E}" type="datetimeFigureOut">
               <a:rPr lang="sv-SE" smtClean="0"/>
-              <a:t>2018-10-30</a:t>
+              <a:t>2018-10-31</a:t>
             </a:fld>
             <a:endParaRPr lang="sv-SE"/>
           </a:p>
@@ -7922,7 +7922,7 @@
           <a:p>
             <a:fld id="{B4C653A3-D7FF-4AF7-943B-34A467C3139E}" type="datetimeFigureOut">
               <a:rPr lang="sv-SE" smtClean="0"/>
-              <a:t>2018-10-30</a:t>
+              <a:t>2018-10-31</a:t>
             </a:fld>
             <a:endParaRPr lang="sv-SE"/>
           </a:p>
@@ -8133,7 +8133,7 @@
           <a:p>
             <a:fld id="{B4C653A3-D7FF-4AF7-943B-34A467C3139E}" type="datetimeFigureOut">
               <a:rPr lang="sv-SE" smtClean="0"/>
-              <a:t>2018-10-30</a:t>
+              <a:t>2018-10-31</a:t>
             </a:fld>
             <a:endParaRPr lang="sv-SE"/>
           </a:p>
@@ -18353,7 +18353,7 @@
             </a:r>
             <a:r>
               <a:rPr lang="sv-SE" dirty="0" err="1"/>
-              <a:t>equippmentsystemet</a:t>
+              <a:t>equipmentsystemet</a:t>
             </a:r>
             <a:r>
               <a:rPr lang="sv-SE" dirty="0"/>
@@ -18877,15 +18877,7 @@
             <a:pPr lvl="1"/>
             <a:r>
               <a:rPr lang="sv-SE" dirty="0"/>
-              <a:t>LOC: </a:t>
-            </a:r>
-            <a:r>
-              <a:rPr lang="sv-SE" dirty="0">
-                <a:highlight>
-                  <a:srgbClr val="FFFF00"/>
-                </a:highlight>
-              </a:rPr>
-              <a:t>245</a:t>
+              <a:t>LOC: 245</a:t>
             </a:r>
           </a:p>
           <a:p>
@@ -19704,7 +19696,7 @@
         <p:spPr>
           <a:xfrm>
             <a:off x="1060803" y="2274838"/>
-            <a:ext cx="3650312" cy="2369880"/>
+            <a:ext cx="3650312" cy="2862322"/>
           </a:xfrm>
           <a:prstGeom prst="rect">
             <a:avLst/>
@@ -19725,15 +19717,15 @@
               <a:buChar char="•"/>
             </a:pPr>
             <a:r>
-              <a:rPr lang="sv-SE" dirty="0"/>
+              <a:rPr lang="sv-SE" sz="2000" dirty="0"/>
               <a:t>get-metoder i ”</a:t>
             </a:r>
             <a:r>
-              <a:rPr lang="sv-SE" dirty="0" err="1"/>
+              <a:rPr lang="sv-SE" sz="2000" dirty="0" err="1"/>
               <a:t>mutable</a:t>
             </a:r>
             <a:r>
-              <a:rPr lang="sv-SE" dirty="0"/>
+              <a:rPr lang="sv-SE" sz="2000" dirty="0"/>
               <a:t>” objekt</a:t>
             </a:r>
           </a:p>
@@ -19743,7 +19735,7 @@
               <a:buChar char="•"/>
             </a:pPr>
             <a:r>
-              <a:rPr lang="sv-SE" dirty="0"/>
+              <a:rPr lang="sv-SE" sz="2000" dirty="0"/>
               <a:t>If-sats som inte gjorde något (TODO)</a:t>
             </a:r>
           </a:p>
@@ -19753,27 +19745,27 @@
               <a:buChar char="•"/>
             </a:pPr>
             <a:r>
-              <a:rPr lang="sv-SE" dirty="0" err="1"/>
+              <a:rPr lang="sv-SE" sz="2000" dirty="0" err="1"/>
               <a:t>Override</a:t>
             </a:r>
             <a:r>
-              <a:rPr lang="sv-SE" dirty="0"/>
+              <a:rPr lang="sv-SE" sz="2000" dirty="0"/>
               <a:t> av </a:t>
             </a:r>
             <a:r>
-              <a:rPr lang="sv-SE" dirty="0" err="1"/>
+              <a:rPr lang="sv-SE" sz="2000" dirty="0" err="1"/>
               <a:t>equals</a:t>
             </a:r>
             <a:r>
-              <a:rPr lang="sv-SE" dirty="0"/>
+              <a:rPr lang="sv-SE" sz="2000" dirty="0"/>
               <a:t>-metoder men inte </a:t>
             </a:r>
             <a:r>
-              <a:rPr lang="sv-SE" dirty="0" err="1"/>
+              <a:rPr lang="sv-SE" sz="2000" dirty="0" err="1"/>
               <a:t>hashcode</a:t>
             </a:r>
             <a:r>
-              <a:rPr lang="sv-SE" dirty="0"/>
+              <a:rPr lang="sv-SE" sz="2000" dirty="0"/>
               <a:t> </a:t>
             </a:r>
           </a:p>
@@ -19783,10 +19775,9 @@
               <a:buChar char="•"/>
             </a:pPr>
             <a:r>
-              <a:rPr lang="sv-SE" dirty="0"/>
+              <a:rPr lang="sv-SE" sz="2000" dirty="0"/>
               <a:t>Variabler som inte användes</a:t>
             </a:r>
-            <a:endParaRPr lang="sv-SE" sz="2000" dirty="0"/>
           </a:p>
           <a:p>
             <a:pPr marL="285750" indent="-285750">
@@ -20173,62 +20164,23 @@
           <a:p>
             <a:r>
               <a:rPr lang="sv-SE" sz="1800" dirty="0"/>
-              <a:t>LOC projektet	680</a:t>
+              <a:t>LOC projektet	620</a:t>
             </a:r>
           </a:p>
           <a:p>
             <a:r>
               <a:rPr lang="sv-SE" sz="1800" dirty="0"/>
-              <a:t>LOC för testerna	703</a:t>
-            </a:r>
-          </a:p>
-        </p:txBody>
-      </p:sp>
-      <p:sp>
-        <p:nvSpPr>
-          <p:cNvPr id="5" name="TextBox 4">
-            <a:extLst>
-              <a:ext uri="{FF2B5EF4-FFF2-40B4-BE49-F238E27FC236}">
-                <a16:creationId xmlns:a16="http://schemas.microsoft.com/office/drawing/2014/main" id="{D825AF3D-2AC7-DB48-9D43-A9A2D9E7AFEC}"/>
-              </a:ext>
-            </a:extLst>
-          </p:cNvPr>
-          <p:cNvSpPr txBox="1"/>
-          <p:nvPr/>
-        </p:nvSpPr>
-        <p:spPr>
-          <a:xfrm>
-            <a:off x="5788024" y="190262"/>
-            <a:ext cx="5789613" cy="369332"/>
-          </a:xfrm>
-          <a:prstGeom prst="rect">
-            <a:avLst/>
-          </a:prstGeom>
-          <a:noFill/>
-        </p:spPr>
-        <p:txBody>
-          <a:bodyPr wrap="square" rtlCol="0">
-            <a:spAutoFit/>
-          </a:bodyPr>
-          <a:lstStyle/>
-          <a:p>
-            <a:r>
-              <a:rPr lang="sv-SE" dirty="0">
-                <a:solidFill>
-                  <a:srgbClr val="FF0000"/>
-                </a:solidFill>
-              </a:rPr>
-              <a:t>Ny bild när projektet är uppdaterat, med hela WMC synligt</a:t>
+              <a:t>LOC för testerna	1 029</a:t>
             </a:r>
           </a:p>
         </p:txBody>
       </p:sp>
       <p:pic>
         <p:nvPicPr>
-          <p:cNvPr id="6" name="Bildobjekt 5">
+          <p:cNvPr id="7" name="Bildobjekt 6">
             <a:extLst>
               <a:ext uri="{FF2B5EF4-FFF2-40B4-BE49-F238E27FC236}">
-                <a16:creationId xmlns:a16="http://schemas.microsoft.com/office/drawing/2014/main" id="{F7DDBDFE-89D3-B846-97CD-93841BFA6F0A}"/>
+                <a16:creationId xmlns:a16="http://schemas.microsoft.com/office/drawing/2014/main" id="{CC92F772-EF5E-744E-BF3A-E640C7288082}"/>
               </a:ext>
             </a:extLst>
           </p:cNvPr>
@@ -20251,8 +20203,8 @@
         </p:blipFill>
         <p:spPr>
           <a:xfrm>
-            <a:off x="3336758" y="781229"/>
-            <a:ext cx="8518358" cy="5682843"/>
+            <a:off x="4226843" y="559594"/>
+            <a:ext cx="7366000" cy="5829300"/>
           </a:xfrm>
           <a:prstGeom prst="rect">
             <a:avLst/>
@@ -20334,7 +20286,7 @@
         <p:spPr>
           <a:xfrm>
             <a:off x="839788" y="1434165"/>
-            <a:ext cx="8589961" cy="4861860"/>
+            <a:ext cx="9573175" cy="4861860"/>
           </a:xfrm>
         </p:spPr>
         <p:txBody>
@@ -20410,7 +20362,7 @@
             </a:pPr>
             <a:r>
               <a:rPr lang="sv-SE" sz="1500" dirty="0"/>
-              <a:t>	Högst: Color (21) </a:t>
+              <a:t>	Högst: Color (20) </a:t>
             </a:r>
             <a:r>
               <a:rPr lang="sv-SE" sz="1500" dirty="0" err="1"/>
@@ -20437,7 +20389,7 @@
             </a:pPr>
             <a:r>
               <a:rPr lang="sv-SE" sz="1500" dirty="0"/>
-              <a:t>	Lågt för statiska saker som bara finns i karta, högt för de som interagerar med objekt på kartan.</a:t>
+              <a:t>	Lågt för statiska saker som bara finns i karta, högt för kartan samt de som interagerar med objekt på kartan.</a:t>
             </a:r>
           </a:p>
           <a:p>
@@ -20516,7 +20468,7 @@
             </a:r>
             <a:r>
               <a:rPr lang="sv-SE" sz="1500" dirty="0"/>
-              <a:t>Som högst 4, inte så djupt. Bara 4 av 18 klasser har DIT = 1, dvs inga arv.</a:t>
+              <a:t>Som högst 4, inte så djupt. Bara 3 av 18 klasser har DIT = 1, dvs inga arv.</a:t>
             </a:r>
           </a:p>
           <a:p>
@@ -20560,7 +20512,7 @@
             </a:pPr>
             <a:r>
               <a:rPr lang="sv-SE" sz="1500" dirty="0"/>
-              <a:t>	Designbeslut: behålla arvshierarkin för att kunna expandera till fler subklasser med olika 	beteenden.</a:t>
+              <a:t>	Designbeslut: behålla arvshierarkin för att kunna expandera till fler subklasser med olika beteenden.</a:t>
             </a:r>
           </a:p>
           <a:p>
@@ -20701,7 +20653,7 @@
             </a:r>
             <a:r>
               <a:rPr lang="sv-SE" sz="1500" dirty="0"/>
-              <a:t> (67) = svårast att utveckla och underhålla</a:t>
+              <a:t> (67) = svårast att utveckla och underhålla,</a:t>
             </a:r>
           </a:p>
           <a:p>
@@ -20806,12 +20758,60 @@
           </a:p>
         </p:txBody>
       </p:sp>
+      <p:sp>
+        <p:nvSpPr>
+          <p:cNvPr id="4" name="Platshållare för text 3">
+            <a:extLst>
+              <a:ext uri="{FF2B5EF4-FFF2-40B4-BE49-F238E27FC236}">
+                <a16:creationId xmlns:a16="http://schemas.microsoft.com/office/drawing/2014/main" id="{41E3E60D-F153-4446-9CF2-DD42DF5E1709}"/>
+              </a:ext>
+            </a:extLst>
+          </p:cNvPr>
+          <p:cNvSpPr>
+            <a:spLocks noGrp="1"/>
+          </p:cNvSpPr>
+          <p:nvPr>
+            <p:ph type="body" sz="half" idx="2"/>
+          </p:nvPr>
+        </p:nvSpPr>
+        <p:spPr/>
+        <p:txBody>
+          <a:bodyPr>
+            <a:normAutofit/>
+          </a:bodyPr>
+          <a:lstStyle/>
+          <a:p>
+            <a:pPr algn="ctr"/>
+            <a:endParaRPr lang="sv-SE" sz="1000" dirty="0"/>
+          </a:p>
+          <a:p>
+            <a:pPr algn="ctr"/>
+            <a:endParaRPr lang="sv-SE" sz="1000" dirty="0"/>
+          </a:p>
+          <a:p>
+            <a:pPr algn="ctr"/>
+            <a:r>
+              <a:rPr lang="sv-SE" sz="6000" dirty="0">
+                <a:solidFill>
+                  <a:srgbClr val="00B050"/>
+                </a:solidFill>
+              </a:rPr>
+              <a:t>100 %</a:t>
+            </a:r>
+            <a:endParaRPr lang="sv-SE" sz="7200" dirty="0">
+              <a:solidFill>
+                <a:srgbClr val="00B050"/>
+              </a:solidFill>
+            </a:endParaRPr>
+          </a:p>
+        </p:txBody>
+      </p:sp>
       <p:pic>
         <p:nvPicPr>
-          <p:cNvPr id="6" name="Platshållare för innehåll 5">
+          <p:cNvPr id="8" name="Platshållare för innehåll 7">
             <a:extLst>
               <a:ext uri="{FF2B5EF4-FFF2-40B4-BE49-F238E27FC236}">
-                <a16:creationId xmlns:a16="http://schemas.microsoft.com/office/drawing/2014/main" id="{1F6F0BB9-8496-E24B-94A9-345870B68AB7}"/>
+                <a16:creationId xmlns:a16="http://schemas.microsoft.com/office/drawing/2014/main" id="{B2B3610F-C1F3-AE47-8C5E-568DF9B5D9AD}"/>
               </a:ext>
             </a:extLst>
           </p:cNvPr>
@@ -20836,59 +20836,11 @@
         </p:blipFill>
         <p:spPr>
           <a:xfrm>
-            <a:off x="5183188" y="1141448"/>
-            <a:ext cx="6172200" cy="4565578"/>
+            <a:off x="4772025" y="934464"/>
+            <a:ext cx="6580187" cy="5314165"/>
           </a:xfrm>
         </p:spPr>
       </p:pic>
-      <p:sp>
-        <p:nvSpPr>
-          <p:cNvPr id="4" name="Platshållare för text 3">
-            <a:extLst>
-              <a:ext uri="{FF2B5EF4-FFF2-40B4-BE49-F238E27FC236}">
-                <a16:creationId xmlns:a16="http://schemas.microsoft.com/office/drawing/2014/main" id="{41E3E60D-F153-4446-9CF2-DD42DF5E1709}"/>
-              </a:ext>
-            </a:extLst>
-          </p:cNvPr>
-          <p:cNvSpPr>
-            <a:spLocks noGrp="1"/>
-          </p:cNvSpPr>
-          <p:nvPr>
-            <p:ph type="body" sz="half" idx="2"/>
-          </p:nvPr>
-        </p:nvSpPr>
-        <p:spPr/>
-        <p:txBody>
-          <a:bodyPr>
-            <a:normAutofit/>
-          </a:bodyPr>
-          <a:lstStyle/>
-          <a:p>
-            <a:pPr algn="ctr"/>
-            <a:endParaRPr lang="sv-SE" sz="1000" dirty="0"/>
-          </a:p>
-          <a:p>
-            <a:pPr algn="ctr"/>
-            <a:endParaRPr lang="sv-SE" sz="1000" dirty="0"/>
-          </a:p>
-          <a:p>
-            <a:pPr algn="ctr"/>
-            <a:r>
-              <a:rPr lang="sv-SE" sz="6000" dirty="0">
-                <a:solidFill>
-                  <a:srgbClr val="00B050"/>
-                </a:solidFill>
-              </a:rPr>
-              <a:t>100 %</a:t>
-            </a:r>
-            <a:endParaRPr lang="sv-SE" sz="7200" dirty="0">
-              <a:solidFill>
-                <a:srgbClr val="00B050"/>
-              </a:solidFill>
-            </a:endParaRPr>
-          </a:p>
-        </p:txBody>
-      </p:sp>
     </p:spTree>
     <p:custDataLst>
       <p:tags r:id="rId1"/>
@@ -26976,7 +26928,12 @@
             <p:ph type="body" idx="1"/>
           </p:nvPr>
         </p:nvSpPr>
-        <p:spPr/>
+        <p:spPr>
+          <a:xfrm>
+            <a:off x="836612" y="1536784"/>
+            <a:ext cx="5157787" cy="823912"/>
+          </a:xfrm>
+        </p:spPr>
         <p:txBody>
           <a:bodyPr/>
           <a:lstStyle/>
@@ -27002,7 +26959,7 @@
         <p:spPr/>
         <p:txBody>
           <a:bodyPr>
-            <a:normAutofit fontScale="55000" lnSpcReduction="20000"/>
+            <a:noAutofit/>
           </a:bodyPr>
           <a:lstStyle/>
           <a:p>
@@ -27010,7 +26967,7 @@
               <a:buNone/>
             </a:pPr>
             <a:r>
-              <a:rPr lang="sv-SE" dirty="0">
+              <a:rPr lang="sv-SE" sz="1600" dirty="0">
                 <a:solidFill>
                   <a:schemeClr val="accent1">
                     <a:lumMod val="75000"/>
@@ -27025,7 +26982,7 @@
               <a:buNone/>
             </a:pPr>
             <a:r>
-              <a:rPr lang="en-US" dirty="0">
+              <a:rPr lang="en-US" sz="1600" dirty="0">
                 <a:solidFill>
                   <a:schemeClr val="accent1">
                     <a:lumMod val="75000"/>
@@ -27034,7 +26991,7 @@
               </a:rPr>
               <a:t>public void setEquipment_addEquipment_strengthNotLowerThan1() {</a:t>
             </a:r>
-            <a:endParaRPr lang="sv-SE" dirty="0">
+            <a:endParaRPr lang="sv-SE" sz="1600" dirty="0">
               <a:solidFill>
                 <a:schemeClr val="accent1">
                   <a:lumMod val="75000"/>
@@ -27047,7 +27004,7 @@
               <a:buNone/>
             </a:pPr>
             <a:r>
-              <a:rPr lang="sv-SE" dirty="0">
+              <a:rPr lang="sv-SE" sz="1600" dirty="0">
                 <a:solidFill>
                   <a:schemeClr val="accent1">
                     <a:lumMod val="75000"/>
@@ -27057,7 +27014,7 @@
               <a:t>    </a:t>
             </a:r>
             <a:r>
-              <a:rPr lang="sv-SE" dirty="0" err="1">
+              <a:rPr lang="sv-SE" sz="1600" dirty="0" err="1">
                 <a:solidFill>
                   <a:schemeClr val="accent1">
                     <a:lumMod val="75000"/>
@@ -27067,7 +27024,7 @@
               <a:t>assertFalse</a:t>
             </a:r>
             <a:r>
-              <a:rPr lang="sv-SE" dirty="0">
+              <a:rPr lang="sv-SE" sz="1600" dirty="0">
                 <a:solidFill>
                   <a:schemeClr val="accent1">
                     <a:lumMod val="75000"/>
@@ -27077,7 +27034,7 @@
               <a:t>(</a:t>
             </a:r>
             <a:r>
-              <a:rPr lang="sv-SE" dirty="0" err="1">
+              <a:rPr lang="sv-SE" sz="1600" dirty="0" err="1">
                 <a:solidFill>
                   <a:schemeClr val="accent1">
                     <a:lumMod val="75000"/>
@@ -27087,7 +27044,7 @@
               <a:t>monster.getEquipment</a:t>
             </a:r>
             <a:r>
-              <a:rPr lang="sv-SE" dirty="0">
+              <a:rPr lang="sv-SE" sz="1600" dirty="0">
                 <a:solidFill>
                   <a:schemeClr val="accent1">
                     <a:lumMod val="75000"/>
@@ -27097,7 +27054,7 @@
               <a:t>().</a:t>
             </a:r>
             <a:r>
-              <a:rPr lang="sv-SE" dirty="0" err="1">
+              <a:rPr lang="sv-SE" sz="1600" dirty="0" err="1">
                 <a:solidFill>
                   <a:schemeClr val="accent1">
                     <a:lumMod val="75000"/>
@@ -27107,7 +27064,7 @@
               <a:t>strength</a:t>
             </a:r>
             <a:r>
-              <a:rPr lang="sv-SE" dirty="0">
+              <a:rPr lang="sv-SE" sz="1600" dirty="0">
                 <a:solidFill>
                   <a:schemeClr val="accent1">
                     <a:lumMod val="75000"/>
@@ -27122,7 +27079,7 @@
               <a:buNone/>
             </a:pPr>
             <a:r>
-              <a:rPr lang="en-US" dirty="0">
+              <a:rPr lang="en-US" sz="1600" dirty="0">
                 <a:solidFill>
                   <a:schemeClr val="accent1">
                     <a:lumMod val="75000"/>
@@ -27131,7 +27088,7 @@
               </a:rPr>
               <a:t>}</a:t>
             </a:r>
-            <a:endParaRPr lang="sv-SE" dirty="0">
+            <a:endParaRPr lang="sv-SE" sz="1600" dirty="0">
               <a:solidFill>
                 <a:schemeClr val="accent1">
                   <a:lumMod val="75000"/>
@@ -27144,7 +27101,7 @@
               <a:buNone/>
             </a:pPr>
             <a:r>
-              <a:rPr lang="en-US" dirty="0">
+              <a:rPr lang="en-US" sz="1600" dirty="0">
                 <a:solidFill>
                   <a:schemeClr val="accent1">
                     <a:lumMod val="75000"/>
@@ -27153,7 +27110,7 @@
               </a:rPr>
               <a:t> </a:t>
             </a:r>
-            <a:endParaRPr lang="sv-SE" dirty="0">
+            <a:endParaRPr lang="sv-SE" sz="1600" dirty="0">
               <a:solidFill>
                 <a:schemeClr val="accent1">
                   <a:lumMod val="75000"/>
@@ -27166,7 +27123,7 @@
               <a:buNone/>
             </a:pPr>
             <a:r>
-              <a:rPr lang="en-US" dirty="0">
+              <a:rPr lang="en-US" sz="1600" dirty="0">
                 <a:solidFill>
                   <a:schemeClr val="accent1">
                     <a:lumMod val="75000"/>
@@ -27175,7 +27132,7 @@
               </a:rPr>
               <a:t>@Test</a:t>
             </a:r>
-            <a:endParaRPr lang="sv-SE" dirty="0">
+            <a:endParaRPr lang="sv-SE" sz="1600" dirty="0">
               <a:solidFill>
                 <a:schemeClr val="accent1">
                   <a:lumMod val="75000"/>
@@ -27188,7 +27145,7 @@
               <a:buNone/>
             </a:pPr>
             <a:r>
-              <a:rPr lang="en-US" dirty="0">
+              <a:rPr lang="en-US" sz="1600" dirty="0">
                 <a:solidFill>
                   <a:schemeClr val="accent1">
                     <a:lumMod val="75000"/>
@@ -27197,7 +27154,7 @@
               </a:rPr>
               <a:t>public void setEquipment_addEquipment_strengthNotHigherThan100() {</a:t>
             </a:r>
-            <a:endParaRPr lang="sv-SE" dirty="0">
+            <a:endParaRPr lang="sv-SE" sz="1600" dirty="0">
               <a:solidFill>
                 <a:schemeClr val="accent1">
                   <a:lumMod val="75000"/>
@@ -27210,7 +27167,7 @@
               <a:buNone/>
             </a:pPr>
             <a:r>
-              <a:rPr lang="sv-SE" dirty="0">
+              <a:rPr lang="sv-SE" sz="1600" dirty="0">
                 <a:solidFill>
                   <a:schemeClr val="accent1">
                     <a:lumMod val="75000"/>
@@ -27220,7 +27177,7 @@
               <a:t>    </a:t>
             </a:r>
             <a:r>
-              <a:rPr lang="sv-SE" dirty="0" err="1">
+              <a:rPr lang="sv-SE" sz="1600" dirty="0" err="1">
                 <a:solidFill>
                   <a:schemeClr val="accent1">
                     <a:lumMod val="75000"/>
@@ -27230,7 +27187,7 @@
               <a:t>assertFalse</a:t>
             </a:r>
             <a:r>
-              <a:rPr lang="sv-SE" dirty="0">
+              <a:rPr lang="sv-SE" sz="1600" dirty="0">
                 <a:solidFill>
                   <a:schemeClr val="accent1">
                     <a:lumMod val="75000"/>
@@ -27240,7 +27197,7 @@
               <a:t>(</a:t>
             </a:r>
             <a:r>
-              <a:rPr lang="sv-SE" dirty="0" err="1">
+              <a:rPr lang="sv-SE" sz="1600" dirty="0" err="1">
                 <a:solidFill>
                   <a:schemeClr val="accent1">
                     <a:lumMod val="75000"/>
@@ -27250,7 +27207,7 @@
               <a:t>monster.getEquipment</a:t>
             </a:r>
             <a:r>
-              <a:rPr lang="sv-SE" dirty="0">
+              <a:rPr lang="sv-SE" sz="1600" dirty="0">
                 <a:solidFill>
                   <a:schemeClr val="accent1">
                     <a:lumMod val="75000"/>
@@ -27260,7 +27217,7 @@
               <a:t>().</a:t>
             </a:r>
             <a:r>
-              <a:rPr lang="sv-SE" dirty="0" err="1">
+              <a:rPr lang="sv-SE" sz="1600" dirty="0" err="1">
                 <a:solidFill>
                   <a:schemeClr val="accent1">
                     <a:lumMod val="75000"/>
@@ -27270,7 +27227,7 @@
               <a:t>strength</a:t>
             </a:r>
             <a:r>
-              <a:rPr lang="sv-SE" dirty="0">
+              <a:rPr lang="sv-SE" sz="1600" dirty="0">
                 <a:solidFill>
                   <a:schemeClr val="accent1">
                     <a:lumMod val="75000"/>
@@ -27285,7 +27242,7 @@
               <a:buNone/>
             </a:pPr>
             <a:r>
-              <a:rPr lang="sv-SE" dirty="0">
+              <a:rPr lang="sv-SE" sz="1600" dirty="0">
                 <a:solidFill>
                   <a:schemeClr val="accent1">
                     <a:lumMod val="75000"/>
@@ -27294,18 +27251,6 @@
               </a:rPr>
               <a:t>}</a:t>
             </a:r>
-          </a:p>
-          <a:p>
-            <a:pPr marL="0" indent="0">
-              <a:buNone/>
-            </a:pPr>
-            <a:endParaRPr lang="sv-SE" dirty="0">
-              <a:solidFill>
-                <a:schemeClr val="accent1">
-                  <a:lumMod val="75000"/>
-                </a:schemeClr>
-              </a:solidFill>
-            </a:endParaRPr>
           </a:p>
         </p:txBody>
       </p:sp>
@@ -27319,7 +27264,12 @@
             <p:ph type="body" sz="quarter" idx="3"/>
           </p:nvPr>
         </p:nvSpPr>
-        <p:spPr/>
+        <p:spPr>
+          <a:xfrm>
+            <a:off x="6096000" y="1536784"/>
+            <a:ext cx="5183188" cy="823912"/>
+          </a:xfrm>
+        </p:spPr>
         <p:txBody>
           <a:bodyPr/>
           <a:lstStyle/>
@@ -27344,7 +27294,7 @@
         <p:spPr/>
         <p:txBody>
           <a:bodyPr>
-            <a:normAutofit fontScale="55000" lnSpcReduction="20000"/>
+            <a:normAutofit/>
           </a:bodyPr>
           <a:lstStyle/>
           <a:p>
@@ -27352,7 +27302,7 @@
               <a:buNone/>
             </a:pPr>
             <a:r>
-              <a:rPr lang="sv-SE" dirty="0">
+              <a:rPr lang="sv-SE" sz="1600" dirty="0">
                 <a:solidFill>
                   <a:schemeClr val="accent1">
                     <a:lumMod val="75000"/>
@@ -27362,7 +27312,7 @@
               <a:t>private </a:t>
             </a:r>
             <a:r>
-              <a:rPr lang="sv-SE" dirty="0" err="1">
+              <a:rPr lang="sv-SE" sz="1600" dirty="0" err="1">
                 <a:solidFill>
                   <a:schemeClr val="accent1">
                     <a:lumMod val="75000"/>
@@ -27372,7 +27322,7 @@
               <a:t>void</a:t>
             </a:r>
             <a:r>
-              <a:rPr lang="sv-SE" dirty="0">
+              <a:rPr lang="sv-SE" sz="1600" dirty="0">
                 <a:solidFill>
                   <a:schemeClr val="accent1">
                     <a:lumMod val="75000"/>
@@ -27382,7 +27332,7 @@
               <a:t> </a:t>
             </a:r>
             <a:r>
-              <a:rPr lang="sv-SE" dirty="0" err="1">
+              <a:rPr lang="sv-SE" sz="1600" dirty="0" err="1">
                 <a:solidFill>
                   <a:schemeClr val="accent1">
                     <a:lumMod val="75000"/>
@@ -27392,7 +27342,7 @@
               <a:t>setEquipment</a:t>
             </a:r>
             <a:r>
-              <a:rPr lang="sv-SE" dirty="0">
+              <a:rPr lang="sv-SE" sz="1600" dirty="0">
                 <a:solidFill>
                   <a:schemeClr val="accent1">
                     <a:lumMod val="75000"/>
@@ -27407,7 +27357,7 @@
               <a:buNone/>
             </a:pPr>
             <a:r>
-              <a:rPr lang="en-US" dirty="0">
+              <a:rPr lang="en-US" sz="1600" dirty="0">
                 <a:solidFill>
                   <a:schemeClr val="accent1">
                     <a:lumMod val="75000"/>
@@ -27417,7 +27367,7 @@
               <a:t>        </a:t>
             </a:r>
             <a:r>
-              <a:rPr lang="en-US" dirty="0" err="1">
+              <a:rPr lang="en-US" sz="1600" dirty="0" err="1">
                 <a:solidFill>
                   <a:schemeClr val="accent1">
                     <a:lumMod val="75000"/>
@@ -27427,7 +27377,7 @@
               <a:t>int</a:t>
             </a:r>
             <a:r>
-              <a:rPr lang="en-US" dirty="0">
+              <a:rPr lang="en-US" sz="1600" dirty="0">
                 <a:solidFill>
                   <a:schemeClr val="accent1">
                     <a:lumMod val="75000"/>
@@ -27437,7 +27387,7 @@
               <a:t> </a:t>
             </a:r>
             <a:r>
-              <a:rPr lang="en-US" dirty="0" err="1">
+              <a:rPr lang="en-US" sz="1600" dirty="0" err="1">
                 <a:solidFill>
                   <a:schemeClr val="accent1">
                     <a:lumMod val="75000"/>
@@ -27447,7 +27397,7 @@
               <a:t>equipmentStrength</a:t>
             </a:r>
             <a:r>
-              <a:rPr lang="en-US" dirty="0">
+              <a:rPr lang="en-US" sz="1600" dirty="0">
                 <a:solidFill>
                   <a:schemeClr val="accent1">
                     <a:lumMod val="75000"/>
@@ -27457,7 +27407,7 @@
               <a:t> = (</a:t>
             </a:r>
             <a:r>
-              <a:rPr lang="en-US" dirty="0" err="1">
+              <a:rPr lang="en-US" sz="1600" dirty="0" err="1">
                 <a:solidFill>
                   <a:schemeClr val="accent1">
                     <a:lumMod val="75000"/>
@@ -27467,7 +27417,7 @@
               <a:t>int</a:t>
             </a:r>
             <a:r>
-              <a:rPr lang="en-US" dirty="0">
+              <a:rPr lang="en-US" sz="1600" dirty="0">
                 <a:solidFill>
                   <a:schemeClr val="accent1">
                     <a:lumMod val="75000"/>
@@ -27477,7 +27427,7 @@
               <a:t>) ((100 * </a:t>
             </a:r>
             <a:r>
-              <a:rPr lang="en-US" dirty="0" err="1">
+              <a:rPr lang="en-US" sz="1600" dirty="0" err="1">
                 <a:solidFill>
                   <a:schemeClr val="accent1">
                     <a:lumMod val="75000"/>
@@ -27487,7 +27437,7 @@
               <a:t>Math.random</a:t>
             </a:r>
             <a:r>
-              <a:rPr lang="en-US" dirty="0">
+              <a:rPr lang="en-US" sz="1600" dirty="0">
                 <a:solidFill>
                   <a:schemeClr val="accent1">
                     <a:lumMod val="75000"/>
@@ -27496,7 +27446,7 @@
               </a:rPr>
               <a:t>()) + 1);</a:t>
             </a:r>
-            <a:endParaRPr lang="sv-SE" dirty="0">
+            <a:endParaRPr lang="sv-SE" sz="1600" dirty="0">
               <a:solidFill>
                 <a:schemeClr val="accent1">
                   <a:lumMod val="75000"/>
@@ -27509,7 +27459,7 @@
               <a:buNone/>
             </a:pPr>
             <a:r>
-              <a:rPr lang="en-US" dirty="0">
+              <a:rPr lang="en-US" sz="1600" dirty="0">
                 <a:solidFill>
                   <a:schemeClr val="accent1">
                     <a:lumMod val="75000"/>
@@ -27519,7 +27469,7 @@
               <a:t>        if (</a:t>
             </a:r>
             <a:r>
-              <a:rPr lang="en-US" dirty="0" err="1">
+              <a:rPr lang="en-US" sz="1600" dirty="0" err="1">
                 <a:solidFill>
                   <a:schemeClr val="accent1">
                     <a:lumMod val="75000"/>
@@ -27529,7 +27479,7 @@
               <a:t>equipmentStrength</a:t>
             </a:r>
             <a:r>
-              <a:rPr lang="en-US" dirty="0">
+              <a:rPr lang="en-US" sz="1600" dirty="0">
                 <a:solidFill>
                   <a:schemeClr val="accent1">
                     <a:lumMod val="75000"/>
@@ -27538,7 +27488,7 @@
               </a:rPr>
               <a:t> % 2 != 0) {</a:t>
             </a:r>
-            <a:endParaRPr lang="sv-SE" dirty="0">
+            <a:endParaRPr lang="sv-SE" sz="1600" dirty="0">
               <a:solidFill>
                 <a:schemeClr val="accent1">
                   <a:lumMod val="75000"/>
@@ -27551,7 +27501,7 @@
               <a:buNone/>
             </a:pPr>
             <a:r>
-              <a:rPr lang="en-US" dirty="0">
+              <a:rPr lang="en-US" sz="1600" dirty="0">
                 <a:solidFill>
                   <a:schemeClr val="accent1">
                     <a:lumMod val="75000"/>
@@ -27561,7 +27511,7 @@
               <a:t>            </a:t>
             </a:r>
             <a:r>
-              <a:rPr lang="en-US" dirty="0" err="1">
+              <a:rPr lang="en-US" sz="1600" dirty="0" err="1">
                 <a:solidFill>
                   <a:schemeClr val="accent1">
                     <a:lumMod val="75000"/>
@@ -27571,17 +27521,17 @@
               <a:t>inventory.addItem</a:t>
             </a:r>
             <a:r>
-              <a:rPr lang="en-US" dirty="0">
-                <a:solidFill>
-                  <a:schemeClr val="accent1">
-                    <a:lumMod val="75000"/>
-                  </a:schemeClr>
-                </a:solidFill>
-              </a:rPr>
-              <a:t>(new Weapon(</a:t>
-            </a:r>
-            <a:r>
-              <a:rPr lang="en-US" dirty="0" err="1">
+              <a:rPr lang="en-US" sz="1600" dirty="0">
+                <a:solidFill>
+                  <a:schemeClr val="accent1">
+                    <a:lumMod val="75000"/>
+                  </a:schemeClr>
+                </a:solidFill>
+              </a:rPr>
+              <a:t>(new 	Weapon(</a:t>
+            </a:r>
+            <a:r>
+              <a:rPr lang="en-US" sz="1600" dirty="0" err="1">
                 <a:solidFill>
                   <a:schemeClr val="accent1">
                     <a:lumMod val="75000"/>
@@ -27591,7 +27541,7 @@
               <a:t>equipmentStrength</a:t>
             </a:r>
             <a:r>
-              <a:rPr lang="en-US" dirty="0">
+              <a:rPr lang="en-US" sz="1600" dirty="0">
                 <a:solidFill>
                   <a:schemeClr val="accent1">
                     <a:lumMod val="75000"/>
@@ -27600,7 +27550,7 @@
               </a:rPr>
               <a:t>));</a:t>
             </a:r>
-            <a:endParaRPr lang="sv-SE" dirty="0">
+            <a:endParaRPr lang="sv-SE" sz="1600" dirty="0">
               <a:solidFill>
                 <a:schemeClr val="accent1">
                   <a:lumMod val="75000"/>
@@ -27613,7 +27563,7 @@
               <a:buNone/>
             </a:pPr>
             <a:r>
-              <a:rPr lang="en-US" dirty="0">
+              <a:rPr lang="en-US" sz="1600" dirty="0">
                 <a:solidFill>
                   <a:schemeClr val="accent1">
                     <a:lumMod val="75000"/>
@@ -27623,7 +27573,7 @@
               <a:t>        </a:t>
             </a:r>
             <a:r>
-              <a:rPr lang="sv-SE" dirty="0">
+              <a:rPr lang="sv-SE" sz="1600" dirty="0">
                 <a:solidFill>
                   <a:schemeClr val="accent1">
                     <a:lumMod val="75000"/>
@@ -27638,7 +27588,7 @@
               <a:buNone/>
             </a:pPr>
             <a:r>
-              <a:rPr lang="en-US" dirty="0">
+              <a:rPr lang="en-US" sz="1600" dirty="0">
                 <a:solidFill>
                   <a:schemeClr val="accent1">
                     <a:lumMod val="75000"/>
@@ -27647,7 +27597,7 @@
               </a:rPr>
               <a:t>        else {</a:t>
             </a:r>
-            <a:endParaRPr lang="sv-SE" dirty="0">
+            <a:endParaRPr lang="sv-SE" sz="1600" dirty="0">
               <a:solidFill>
                 <a:schemeClr val="accent1">
                   <a:lumMod val="75000"/>
@@ -27660,7 +27610,7 @@
               <a:buNone/>
             </a:pPr>
             <a:r>
-              <a:rPr lang="en-US" dirty="0">
+              <a:rPr lang="en-US" sz="1600" dirty="0">
                 <a:solidFill>
                   <a:schemeClr val="accent1">
                     <a:lumMod val="75000"/>
@@ -27670,7 +27620,7 @@
               <a:t>            </a:t>
             </a:r>
             <a:r>
-              <a:rPr lang="en-US" dirty="0" err="1">
+              <a:rPr lang="en-US" sz="1600" dirty="0" err="1">
                 <a:solidFill>
                   <a:schemeClr val="accent1">
                     <a:lumMod val="75000"/>
@@ -27680,7 +27630,7 @@
               <a:t>inventory.addItem</a:t>
             </a:r>
             <a:r>
-              <a:rPr lang="en-US" dirty="0">
+              <a:rPr lang="en-US" sz="1600" dirty="0">
                 <a:solidFill>
                   <a:schemeClr val="accent1">
                     <a:lumMod val="75000"/>
@@ -27690,7 +27640,7 @@
               <a:t>(new Armor(</a:t>
             </a:r>
             <a:r>
-              <a:rPr lang="en-US" dirty="0" err="1">
+              <a:rPr lang="en-US" sz="1600" dirty="0" err="1">
                 <a:solidFill>
                   <a:schemeClr val="accent1">
                     <a:lumMod val="75000"/>
@@ -27700,7 +27650,7 @@
               <a:t>equipmentStrength</a:t>
             </a:r>
             <a:r>
-              <a:rPr lang="en-US" dirty="0">
+              <a:rPr lang="en-US" sz="1600" dirty="0">
                 <a:solidFill>
                   <a:schemeClr val="accent1">
                     <a:lumMod val="75000"/>
@@ -27709,7 +27659,7 @@
               </a:rPr>
               <a:t>));</a:t>
             </a:r>
-            <a:endParaRPr lang="sv-SE" dirty="0">
+            <a:endParaRPr lang="sv-SE" sz="1600" dirty="0">
               <a:solidFill>
                 <a:schemeClr val="accent1">
                   <a:lumMod val="75000"/>
@@ -27722,7 +27672,7 @@
               <a:buNone/>
             </a:pPr>
             <a:r>
-              <a:rPr lang="en-US" dirty="0">
+              <a:rPr lang="en-US" sz="1600" dirty="0">
                 <a:solidFill>
                   <a:schemeClr val="accent1">
                     <a:lumMod val="75000"/>
@@ -27732,7 +27682,7 @@
               <a:t>       </a:t>
             </a:r>
             <a:r>
-              <a:rPr lang="sv-SE" dirty="0">
+              <a:rPr lang="sv-SE" sz="1600" dirty="0">
                 <a:solidFill>
                   <a:schemeClr val="accent1">
                     <a:lumMod val="75000"/>
@@ -27742,7 +27692,7 @@
               <a:t>}</a:t>
             </a:r>
             <a:br>
-              <a:rPr lang="sv-SE" dirty="0">
+              <a:rPr lang="sv-SE" sz="1600" dirty="0">
                 <a:solidFill>
                   <a:schemeClr val="accent1">
                     <a:lumMod val="75000"/>
@@ -27751,7 +27701,7 @@
               </a:rPr>
             </a:br>
             <a:r>
-              <a:rPr lang="sv-SE" dirty="0">
+              <a:rPr lang="sv-SE" sz="1600" dirty="0">
                 <a:solidFill>
                   <a:schemeClr val="accent1">
                     <a:lumMod val="75000"/>
@@ -27760,18 +27710,6 @@
               </a:rPr>
               <a:t>}</a:t>
             </a:r>
-          </a:p>
-          <a:p>
-            <a:pPr marL="0" indent="0">
-              <a:buNone/>
-            </a:pPr>
-            <a:endParaRPr lang="sv-SE" dirty="0">
-              <a:solidFill>
-                <a:schemeClr val="accent1">
-                  <a:lumMod val="75000"/>
-                </a:schemeClr>
-              </a:solidFill>
-            </a:endParaRPr>
           </a:p>
         </p:txBody>
       </p:sp>
@@ -27871,11 +27809,14 @@
         </p:spPr>
         <p:txBody>
           <a:bodyPr>
-            <a:normAutofit/>
+            <a:noAutofit/>
           </a:bodyPr>
           <a:lstStyle/>
           <a:p>
             <a:pPr marL="0" indent="0">
+              <a:lnSpc>
+                <a:spcPct val="160000"/>
+              </a:lnSpc>
               <a:buNone/>
             </a:pPr>
             <a:r>
@@ -27950,6 +27891,9 @@
           </a:p>
           <a:p>
             <a:pPr marL="0" indent="0">
+              <a:lnSpc>
+                <a:spcPct val="160000"/>
+              </a:lnSpc>
               <a:buNone/>
             </a:pPr>
             <a:r>
@@ -28005,6 +27949,9 @@
           </a:p>
           <a:p>
             <a:pPr marL="0" indent="0">
+              <a:lnSpc>
+                <a:spcPct val="160000"/>
+              </a:lnSpc>
               <a:buNone/>
             </a:pPr>
             <a:r>
@@ -28080,6 +28027,9 @@
           </a:p>
           <a:p>
             <a:pPr marL="0" indent="0">
+              <a:lnSpc>
+                <a:spcPct val="160000"/>
+              </a:lnSpc>
               <a:buNone/>
             </a:pPr>
             <a:r>
@@ -28448,7 +28398,7 @@
         </p:nvSpPr>
         <p:spPr>
           <a:xfrm>
-            <a:off x="839788" y="2505075"/>
+            <a:off x="836612" y="2377532"/>
             <a:ext cx="5157787" cy="1325563"/>
           </a:xfrm>
         </p:spPr>
@@ -28459,6 +28409,9 @@
           <a:lstStyle/>
           <a:p>
             <a:pPr marL="0" indent="0">
+              <a:lnSpc>
+                <a:spcPct val="150000"/>
+              </a:lnSpc>
               <a:buNone/>
             </a:pPr>
             <a:r>
@@ -28850,7 +28803,12 @@
             <p:ph sz="quarter" idx="4"/>
           </p:nvPr>
         </p:nvSpPr>
-        <p:spPr/>
+        <p:spPr>
+          <a:xfrm>
+            <a:off x="6172200" y="2377532"/>
+            <a:ext cx="5183188" cy="3684588"/>
+          </a:xfrm>
+        </p:spPr>
         <p:txBody>
           <a:bodyPr>
             <a:noAutofit/>

--- a/docs/Slutredovisning_grp5_v9.pptx
+++ b/docs/Slutredovisning_grp5_v9.pptx
@@ -20653,7 +20653,7 @@
             </a:r>
             <a:r>
               <a:rPr lang="sv-SE" sz="1500" dirty="0"/>
-              <a:t> (67) = svårast att utveckla och underhålla,</a:t>
+              <a:t> (81) = svårast att utveckla och underhålla,</a:t>
             </a:r>
           </a:p>
           <a:p>

--- a/docs/Slutredovisning_grp5_v9.pptx
+++ b/docs/Slutredovisning_grp5_v9.pptx
@@ -19108,12 +19108,8 @@
               <a:buAutoNum type="arabicPeriod"/>
             </a:pPr>
             <a:r>
-              <a:rPr lang="sv-SE" sz="1400" dirty="0">
-                <a:highlight>
-                  <a:srgbClr val="FF0000"/>
-                </a:highlight>
-              </a:rPr>
-              <a:t>Kommentar</a:t>
+              <a:rPr lang="sv-SE" sz="1400" dirty="0"/>
+              <a:t>Otydliga beräkningar.</a:t>
             </a:r>
             <a:br>
               <a:rPr lang="sv-SE" sz="1400" dirty="0"/>
@@ -20653,7 +20649,7 @@
             </a:r>
             <a:r>
               <a:rPr lang="sv-SE" sz="1500" dirty="0"/>
-              <a:t> (81) = svårast att utveckla och underhålla,</a:t>
+              <a:t> (81) = svårast att utveckla och underhålla.</a:t>
             </a:r>
           </a:p>
           <a:p>

--- a/docs/Slutredovisning_grp5_v9.pptx
+++ b/docs/Slutredovisning_grp5_v9.pptx
@@ -17823,7 +17823,7 @@
           <a:p>
             <a:r>
               <a:rPr lang="sv-SE" dirty="0"/>
-              <a:t>Utvecklingsmiljö </a:t>
+              <a:t>Utvecklingsmiljö 		</a:t>
             </a:r>
             <a:r>
               <a:rPr lang="sv-SE" dirty="0" err="1"/>
@@ -17837,7 +17837,7 @@
           <a:p>
             <a:r>
               <a:rPr lang="sv-SE" dirty="0"/>
-              <a:t>Byggscript med </a:t>
+              <a:t>Byggscript 			</a:t>
             </a:r>
             <a:r>
               <a:rPr lang="sv-SE" dirty="0" err="1"/>
@@ -17852,7 +17852,7 @@
             </a:r>
             <a:r>
               <a:rPr lang="sv-SE" dirty="0"/>
-              <a:t> med </a:t>
+              <a:t>			</a:t>
             </a:r>
             <a:r>
               <a:rPr lang="sv-SE" dirty="0" err="1"/>
@@ -17866,7 +17866,7 @@
           <a:p>
             <a:r>
               <a:rPr lang="sv-SE" dirty="0"/>
-              <a:t>Testverktyg </a:t>
+              <a:t>Testverktyg 		</a:t>
             </a:r>
             <a:r>
               <a:rPr lang="sv-SE" dirty="0" err="1"/>
@@ -17884,12 +17884,12 @@
           </a:p>
           <a:p>
             <a:r>
+              <a:rPr lang="sv-SE" dirty="0"/>
+              <a:t>Profiler 			</a:t>
+            </a:r>
+            <a:r>
               <a:rPr lang="sv-SE" dirty="0" err="1"/>
-              <a:t>Netbeans</a:t>
-            </a:r>
-            <a:r>
-              <a:rPr lang="sv-SE"/>
-              <a:t> Profiler</a:t>
+              <a:t>NetBeans</a:t>
             </a:r>
             <a:endParaRPr lang="sv-SE" dirty="0"/>
           </a:p>

--- a/docs/Slutredovisning_grp5_v9.pptx
+++ b/docs/Slutredovisning_grp5_v9.pptx
@@ -18349,71 +18349,35 @@
           <a:p>
             <a:r>
               <a:rPr lang="sv-SE" dirty="0"/>
-              <a:t>Motivering: Vi använde </a:t>
+              <a:t>Equipment variablerna på Hero</a:t>
+            </a:r>
+          </a:p>
+          <a:p>
+            <a:r>
+              <a:rPr lang="sv-SE" dirty="0"/>
+              <a:t>Vapen och </a:t>
             </a:r>
             <a:r>
               <a:rPr lang="sv-SE" dirty="0" err="1"/>
-              <a:t>equipmentsystemet</a:t>
+              <a:t>Armor</a:t>
             </a:r>
             <a:r>
               <a:rPr lang="sv-SE" dirty="0"/>
-              <a:t> för Hero till vår tillståndsmaskin då de </a:t>
+              <a:t> kan vara tilldelat eller </a:t>
             </a:r>
             <a:r>
               <a:rPr lang="sv-SE" dirty="0" err="1"/>
-              <a:t>equippade</a:t>
+              <a:t>null</a:t>
             </a:r>
             <a:r>
               <a:rPr lang="sv-SE" dirty="0"/>
-              <a:t> delarna kan ha olika status (</a:t>
-            </a:r>
-            <a:r>
-              <a:rPr lang="sv-SE" dirty="0" err="1"/>
-              <a:t>Equippat</a:t>
-            </a:r>
+              <a:t>, skiljt från varandra, ger 4 olika tillstånd (nästkommande bild).</a:t>
+            </a:r>
+          </a:p>
+          <a:p>
             <a:r>
               <a:rPr lang="sv-SE" dirty="0"/>
-              <a:t>/Tomt vapen, </a:t>
-            </a:r>
-            <a:r>
-              <a:rPr lang="sv-SE" dirty="0" err="1"/>
-              <a:t>Equippat</a:t>
-            </a:r>
-            <a:r>
-              <a:rPr lang="sv-SE" dirty="0"/>
-              <a:t>/Tomt </a:t>
-            </a:r>
-            <a:r>
-              <a:rPr lang="sv-SE" dirty="0" err="1"/>
-              <a:t>armor</a:t>
-            </a:r>
-            <a:r>
-              <a:rPr lang="sv-SE" dirty="0"/>
-              <a:t>) och för att man kan komma till de olika tillstånden på olika sätt eftersom det aktuella </a:t>
-            </a:r>
-            <a:r>
-              <a:rPr lang="sv-SE" dirty="0" err="1"/>
-              <a:t>itemet</a:t>
-            </a:r>
-            <a:r>
-              <a:rPr lang="sv-SE" dirty="0"/>
-              <a:t> endast byts ut om ett nytt item är starkare. På detta sätt kan vi prova olika sekvenser för att plocka upp </a:t>
-            </a:r>
-            <a:r>
-              <a:rPr lang="sv-SE" dirty="0" err="1"/>
-              <a:t>items</a:t>
-            </a:r>
-            <a:r>
-              <a:rPr lang="sv-SE" dirty="0"/>
-              <a:t> för att se att den </a:t>
-            </a:r>
-            <a:r>
-              <a:rPr lang="sv-SE" dirty="0" err="1"/>
-              <a:t>equippade</a:t>
-            </a:r>
-            <a:r>
-              <a:rPr lang="sv-SE" dirty="0"/>
-              <a:t> delen är korrekt.</a:t>
+              <a:t> 12 bågar då olika beteenden finns när man plockar upp ett item som är svagare eller starkare.</a:t>
             </a:r>
           </a:p>
         </p:txBody>

--- a/docs/Slutredovisning_grp5_v9.pptx
+++ b/docs/Slutredovisning_grp5_v9.pptx
@@ -22785,7 +22785,12 @@
             <p:ph type="body" idx="1"/>
           </p:nvPr>
         </p:nvSpPr>
-        <p:spPr/>
+        <p:spPr>
+          <a:xfrm>
+            <a:off x="839788" y="1528763"/>
+            <a:ext cx="5157787" cy="504825"/>
+          </a:xfrm>
+        </p:spPr>
         <p:txBody>
           <a:bodyPr/>
           <a:lstStyle/>
@@ -22816,7 +22821,12 @@
             <p:ph sz="half" idx="2"/>
           </p:nvPr>
         </p:nvSpPr>
-        <p:spPr/>
+        <p:spPr>
+          <a:xfrm>
+            <a:off x="839788" y="2033588"/>
+            <a:ext cx="5157787" cy="4156075"/>
+          </a:xfrm>
+        </p:spPr>
         <p:txBody>
           <a:bodyPr>
             <a:noAutofit/>
@@ -22829,7 +22839,9 @@
             <a:r>
               <a:rPr lang="sv-SE" sz="1500" dirty="0">
                 <a:solidFill>
-                  <a:srgbClr val="0070C0"/>
+                  <a:schemeClr val="accent1">
+                    <a:lumMod val="75000"/>
+                  </a:schemeClr>
                 </a:solidFill>
               </a:rPr>
               <a:t>public </a:t>
@@ -22837,7 +22849,9 @@
             <a:r>
               <a:rPr lang="sv-SE" sz="1500" dirty="0" err="1">
                 <a:solidFill>
-                  <a:srgbClr val="0070C0"/>
+                  <a:schemeClr val="accent1">
+                    <a:lumMod val="75000"/>
+                  </a:schemeClr>
                 </a:solidFill>
               </a:rPr>
               <a:t>class</a:t>
@@ -22845,7 +22859,9 @@
             <a:r>
               <a:rPr lang="sv-SE" sz="1500" dirty="0">
                 <a:solidFill>
-                  <a:srgbClr val="0070C0"/>
+                  <a:schemeClr val="accent1">
+                    <a:lumMod val="75000"/>
+                  </a:schemeClr>
                 </a:solidFill>
               </a:rPr>
               <a:t> </a:t>
@@ -22853,7 +22869,9 @@
             <a:r>
               <a:rPr lang="sv-SE" sz="1500" dirty="0" err="1">
                 <a:solidFill>
-                  <a:srgbClr val="0070C0"/>
+                  <a:schemeClr val="accent1">
+                    <a:lumMod val="75000"/>
+                  </a:schemeClr>
                 </a:solidFill>
               </a:rPr>
               <a:t>PlantTest</a:t>
@@ -22861,44 +22879,71 @@
             <a:r>
               <a:rPr lang="sv-SE" sz="1500" dirty="0">
                 <a:solidFill>
-                  <a:srgbClr val="0070C0"/>
+                  <a:schemeClr val="accent1">
+                    <a:lumMod val="75000"/>
+                  </a:schemeClr>
                 </a:solidFill>
               </a:rPr>
               <a:t>:</a:t>
+            </a:r>
+          </a:p>
+          <a:p>
+            <a:pPr marL="0" indent="0">
+              <a:buNone/>
+            </a:pPr>
+            <a:r>
+              <a:rPr lang="sv-SE" sz="1500" dirty="0">
+                <a:solidFill>
+                  <a:schemeClr val="accent1">
+                    <a:lumMod val="75000"/>
+                  </a:schemeClr>
+                </a:solidFill>
+              </a:rPr>
+              <a:t>private Plant plant;</a:t>
             </a:r>
             <a:br>
               <a:rPr lang="sv-SE" sz="1500" dirty="0">
                 <a:solidFill>
-                  <a:srgbClr val="0070C0"/>
+                  <a:schemeClr val="accent1">
+                    <a:lumMod val="75000"/>
+                  </a:schemeClr>
                 </a:solidFill>
               </a:rPr>
             </a:br>
             <a:br>
               <a:rPr lang="sv-SE" sz="1500" dirty="0">
                 <a:solidFill>
-                  <a:srgbClr val="0070C0"/>
+                  <a:schemeClr val="accent1">
+                    <a:lumMod val="75000"/>
+                  </a:schemeClr>
                 </a:solidFill>
               </a:rPr>
             </a:br>
             <a:r>
               <a:rPr lang="sv-SE" sz="1500" dirty="0">
                 <a:solidFill>
-                  <a:srgbClr val="0070C0"/>
-                </a:solidFill>
-              </a:rPr>
-              <a:t>    @Test</a:t>
+                  <a:schemeClr val="accent1">
+                    <a:lumMod val="75000"/>
+                  </a:schemeClr>
+                </a:solidFill>
+              </a:rPr>
+              <a:t>   @Before</a:t>
             </a:r>
             <a:br>
               <a:rPr lang="sv-SE" sz="1500" dirty="0">
                 <a:solidFill>
-                  <a:srgbClr val="0070C0"/>
+                  <a:schemeClr val="accent1">
+                    <a:lumMod val="75000"/>
+                  </a:schemeClr>
                 </a:solidFill>
               </a:rPr>
             </a:br>
             <a:r>
               <a:rPr lang="sv-SE" sz="1500" dirty="0">
                 <a:solidFill>
-                  <a:srgbClr val="0070C0"/>
+                  <a:schemeClr val="accent1">
+                    <a:lumMod val="75000"/>
+                  </a:schemeClr>
                 </a:solidFill>
               </a:rPr>
               <a:t>    public </a:t>
@@ -22906,7 +22951,9 @@
             <a:r>
               <a:rPr lang="sv-SE" sz="1500" dirty="0" err="1">
                 <a:solidFill>
-                  <a:srgbClr val="0070C0"/>
+                  <a:schemeClr val="accent1">
+                    <a:lumMod val="75000"/>
+                  </a:schemeClr>
                 </a:solidFill>
               </a:rPr>
               <a:t>void</a:t>
@@ -22914,76 +22961,57 @@
             <a:r>
               <a:rPr lang="sv-SE" sz="1500" dirty="0">
                 <a:solidFill>
-                  <a:srgbClr val="0070C0"/>
-                </a:solidFill>
-              </a:rPr>
-              <a:t> getEnergy_plantEnergyIs10_true() {</a:t>
+                  <a:schemeClr val="accent1">
+                    <a:lumMod val="75000"/>
+                  </a:schemeClr>
+                </a:solidFill>
+              </a:rPr>
+              <a:t> </a:t>
+            </a:r>
+            <a:r>
+              <a:rPr lang="sv-SE" sz="1500" dirty="0" err="1">
+                <a:solidFill>
+                  <a:schemeClr val="accent1">
+                    <a:lumMod val="75000"/>
+                  </a:schemeClr>
+                </a:solidFill>
+              </a:rPr>
+              <a:t>createPlant</a:t>
+            </a:r>
+            <a:r>
+              <a:rPr lang="sv-SE" sz="1500" dirty="0">
+                <a:solidFill>
+                  <a:schemeClr val="accent1">
+                    <a:lumMod val="75000"/>
+                  </a:schemeClr>
+                </a:solidFill>
+              </a:rPr>
+              <a:t>() { plant = new Plant(); }</a:t>
             </a:r>
             <a:br>
               <a:rPr lang="sv-SE" sz="1500" dirty="0">
                 <a:solidFill>
-                  <a:srgbClr val="0070C0"/>
-                </a:solidFill>
-              </a:rPr>
-            </a:br>
-            <a:r>
-              <a:rPr lang="sv-SE" sz="1500" dirty="0">
-                <a:solidFill>
-                  <a:srgbClr val="0070C0"/>
-                </a:solidFill>
-              </a:rPr>
-              <a:t>        </a:t>
-            </a:r>
-            <a:r>
-              <a:rPr lang="sv-SE" sz="1500" i="1" dirty="0" err="1">
-                <a:solidFill>
-                  <a:srgbClr val="0070C0"/>
-                </a:solidFill>
-              </a:rPr>
-              <a:t>assertEquals</a:t>
-            </a:r>
-            <a:r>
-              <a:rPr lang="sv-SE" sz="1500" dirty="0">
-                <a:solidFill>
-                  <a:srgbClr val="0070C0"/>
-                </a:solidFill>
-              </a:rPr>
-              <a:t>(10, </a:t>
-            </a:r>
-            <a:r>
-              <a:rPr lang="sv-SE" sz="1500" dirty="0" err="1">
-                <a:solidFill>
-                  <a:srgbClr val="0070C0"/>
-                </a:solidFill>
-              </a:rPr>
-              <a:t>plant.getEnergy</a:t>
-            </a:r>
-            <a:r>
-              <a:rPr lang="sv-SE" sz="1500" dirty="0">
-                <a:solidFill>
-                  <a:srgbClr val="0070C0"/>
-                </a:solidFill>
-              </a:rPr>
-              <a:t>()); }</a:t>
-            </a:r>
-            <a:br>
-              <a:rPr lang="sv-SE" sz="1500" dirty="0">
-                <a:solidFill>
-                  <a:srgbClr val="0070C0"/>
+                  <a:schemeClr val="accent1">
+                    <a:lumMod val="75000"/>
+                  </a:schemeClr>
                 </a:solidFill>
               </a:rPr>
             </a:br>
             <a:br>
               <a:rPr lang="sv-SE" sz="1500" dirty="0">
                 <a:solidFill>
-                  <a:srgbClr val="0070C0"/>
+                  <a:schemeClr val="accent1">
+                    <a:lumMod val="75000"/>
+                  </a:schemeClr>
                 </a:solidFill>
               </a:rPr>
             </a:br>
             <a:r>
               <a:rPr lang="sv-SE" sz="1500" dirty="0">
                 <a:solidFill>
-                  <a:srgbClr val="0070C0"/>
+                  <a:schemeClr val="accent1">
+                    <a:lumMod val="75000"/>
+                  </a:schemeClr>
                 </a:solidFill>
               </a:rPr>
               <a:t>    @Test</a:t>
@@ -22991,14 +23019,18 @@
             <a:br>
               <a:rPr lang="sv-SE" sz="1500" dirty="0">
                 <a:solidFill>
-                  <a:srgbClr val="0070C0"/>
+                  <a:schemeClr val="accent1">
+                    <a:lumMod val="75000"/>
+                  </a:schemeClr>
                 </a:solidFill>
               </a:rPr>
             </a:br>
             <a:r>
               <a:rPr lang="sv-SE" sz="1500" dirty="0">
                 <a:solidFill>
-                  <a:srgbClr val="0070C0"/>
+                  <a:schemeClr val="accent1">
+                    <a:lumMod val="75000"/>
+                  </a:schemeClr>
                 </a:solidFill>
               </a:rPr>
               <a:t>    public </a:t>
@@ -23006,7 +23038,9 @@
             <a:r>
               <a:rPr lang="sv-SE" sz="1500" dirty="0" err="1">
                 <a:solidFill>
-                  <a:srgbClr val="0070C0"/>
+                  <a:schemeClr val="accent1">
+                    <a:lumMod val="75000"/>
+                  </a:schemeClr>
                 </a:solidFill>
               </a:rPr>
               <a:t>void</a:t>
@@ -23014,22 +23048,28 @@
             <a:r>
               <a:rPr lang="sv-SE" sz="1500" dirty="0">
                 <a:solidFill>
-                  <a:srgbClr val="0070C0"/>
-                </a:solidFill>
-              </a:rPr>
-              <a:t> getEnergy_plantEnergyIs10_false() {</a:t>
+                  <a:schemeClr val="accent1">
+                    <a:lumMod val="75000"/>
+                  </a:schemeClr>
+                </a:solidFill>
+              </a:rPr>
+              <a:t> getEnergy_plantEnergyIs10_true() {</a:t>
             </a:r>
             <a:br>
               <a:rPr lang="sv-SE" sz="1500" dirty="0">
                 <a:solidFill>
-                  <a:srgbClr val="0070C0"/>
+                  <a:schemeClr val="accent1">
+                    <a:lumMod val="75000"/>
+                  </a:schemeClr>
                 </a:solidFill>
               </a:rPr>
             </a:br>
             <a:r>
               <a:rPr lang="sv-SE" sz="1500" dirty="0">
                 <a:solidFill>
-                  <a:srgbClr val="0070C0"/>
+                  <a:schemeClr val="accent1">
+                    <a:lumMod val="75000"/>
+                  </a:schemeClr>
                 </a:solidFill>
               </a:rPr>
               <a:t>        </a:t>
@@ -23037,23 +23077,29 @@
             <a:r>
               <a:rPr lang="sv-SE" sz="1500" i="1" dirty="0" err="1">
                 <a:solidFill>
-                  <a:srgbClr val="0070C0"/>
-                </a:solidFill>
-              </a:rPr>
-              <a:t>assertNotEquals</a:t>
+                  <a:schemeClr val="accent1">
+                    <a:lumMod val="75000"/>
+                  </a:schemeClr>
+                </a:solidFill>
+              </a:rPr>
+              <a:t>assertEquals</a:t>
             </a:r>
             <a:r>
               <a:rPr lang="sv-SE" sz="1500" dirty="0">
                 <a:solidFill>
-                  <a:srgbClr val="0070C0"/>
-                </a:solidFill>
-              </a:rPr>
-              <a:t>(13, </a:t>
+                  <a:schemeClr val="accent1">
+                    <a:lumMod val="75000"/>
+                  </a:schemeClr>
+                </a:solidFill>
+              </a:rPr>
+              <a:t>(10, </a:t>
             </a:r>
             <a:r>
               <a:rPr lang="sv-SE" sz="1500" dirty="0" err="1">
                 <a:solidFill>
-                  <a:srgbClr val="0070C0"/>
+                  <a:schemeClr val="accent1">
+                    <a:lumMod val="75000"/>
+                  </a:schemeClr>
                 </a:solidFill>
               </a:rPr>
               <a:t>plant.getEnergy</a:t>
@@ -23061,7 +23107,9 @@
             <a:r>
               <a:rPr lang="sv-SE" sz="1500" dirty="0">
                 <a:solidFill>
-                  <a:srgbClr val="0070C0"/>
+                  <a:schemeClr val="accent1">
+                    <a:lumMod val="75000"/>
+                  </a:schemeClr>
                 </a:solidFill>
               </a:rPr>
               <a:t>()); }</a:t>
@@ -23069,21 +23117,27 @@
             <a:br>
               <a:rPr lang="sv-SE" sz="1500" dirty="0">
                 <a:solidFill>
-                  <a:srgbClr val="0070C0"/>
+                  <a:schemeClr val="accent1">
+                    <a:lumMod val="75000"/>
+                  </a:schemeClr>
                 </a:solidFill>
               </a:rPr>
             </a:br>
             <a:br>
               <a:rPr lang="sv-SE" sz="1500" dirty="0">
                 <a:solidFill>
-                  <a:srgbClr val="0070C0"/>
+                  <a:schemeClr val="accent1">
+                    <a:lumMod val="75000"/>
+                  </a:schemeClr>
                 </a:solidFill>
               </a:rPr>
             </a:br>
             <a:r>
               <a:rPr lang="sv-SE" sz="1500" dirty="0">
                 <a:solidFill>
-                  <a:srgbClr val="0070C0"/>
+                  <a:schemeClr val="accent1">
+                    <a:lumMod val="75000"/>
+                  </a:schemeClr>
                 </a:solidFill>
               </a:rPr>
               <a:t>    @Test</a:t>
@@ -23091,14 +23145,18 @@
             <a:br>
               <a:rPr lang="sv-SE" sz="1500" dirty="0">
                 <a:solidFill>
-                  <a:srgbClr val="0070C0"/>
+                  <a:schemeClr val="accent1">
+                    <a:lumMod val="75000"/>
+                  </a:schemeClr>
                 </a:solidFill>
               </a:rPr>
             </a:br>
             <a:r>
               <a:rPr lang="sv-SE" sz="1500" dirty="0">
                 <a:solidFill>
-                  <a:srgbClr val="0070C0"/>
+                  <a:schemeClr val="accent1">
+                    <a:lumMod val="75000"/>
+                  </a:schemeClr>
                 </a:solidFill>
               </a:rPr>
               <a:t>    public </a:t>
@@ -23106,7 +23164,9 @@
             <a:r>
               <a:rPr lang="sv-SE" sz="1500" dirty="0" err="1">
                 <a:solidFill>
-                  <a:srgbClr val="0070C0"/>
+                  <a:schemeClr val="accent1">
+                    <a:lumMod val="75000"/>
+                  </a:schemeClr>
                 </a:solidFill>
               </a:rPr>
               <a:t>void</a:t>
@@ -23114,38 +23174,28 @@
             <a:r>
               <a:rPr lang="sv-SE" sz="1500" dirty="0">
                 <a:solidFill>
-                  <a:srgbClr val="0070C0"/>
-                </a:solidFill>
-              </a:rPr>
-              <a:t> </a:t>
-            </a:r>
-            <a:r>
-              <a:rPr lang="sv-SE" sz="1500" dirty="0" err="1">
-                <a:solidFill>
-                  <a:srgbClr val="0070C0"/>
-                </a:solidFill>
-              </a:rPr>
-              <a:t>getColor_colorIsRed_true</a:t>
-            </a:r>
-            <a:r>
-              <a:rPr lang="sv-SE" sz="1500" dirty="0">
-                <a:solidFill>
-                  <a:srgbClr val="0070C0"/>
-                </a:solidFill>
-              </a:rPr>
-              <a:t>() {</a:t>
+                  <a:schemeClr val="accent1">
+                    <a:lumMod val="75000"/>
+                  </a:schemeClr>
+                </a:solidFill>
+              </a:rPr>
+              <a:t> getEnergy_plantEnergyIs10_false() {</a:t>
             </a:r>
             <a:br>
               <a:rPr lang="sv-SE" sz="1500" dirty="0">
                 <a:solidFill>
-                  <a:srgbClr val="0070C0"/>
+                  <a:schemeClr val="accent1">
+                    <a:lumMod val="75000"/>
+                  </a:schemeClr>
                 </a:solidFill>
               </a:rPr>
             </a:br>
             <a:r>
               <a:rPr lang="sv-SE" sz="1500" dirty="0">
                 <a:solidFill>
-                  <a:srgbClr val="0070C0"/>
+                  <a:schemeClr val="accent1">
+                    <a:lumMod val="75000"/>
+                  </a:schemeClr>
                 </a:solidFill>
               </a:rPr>
               <a:t>        </a:t>
@@ -23153,55 +23203,39 @@
             <a:r>
               <a:rPr lang="sv-SE" sz="1500" i="1" dirty="0" err="1">
                 <a:solidFill>
-                  <a:srgbClr val="0070C0"/>
-                </a:solidFill>
-              </a:rPr>
-              <a:t>assertEquals</a:t>
+                  <a:schemeClr val="accent1">
+                    <a:lumMod val="75000"/>
+                  </a:schemeClr>
+                </a:solidFill>
+              </a:rPr>
+              <a:t>assertNotEquals</a:t>
             </a:r>
             <a:r>
               <a:rPr lang="sv-SE" sz="1500" dirty="0">
                 <a:solidFill>
-                  <a:srgbClr val="0070C0"/>
-                </a:solidFill>
-              </a:rPr>
-              <a:t>(</a:t>
+                  <a:schemeClr val="accent1">
+                    <a:lumMod val="75000"/>
+                  </a:schemeClr>
+                </a:solidFill>
+              </a:rPr>
+              <a:t>(13, </a:t>
             </a:r>
             <a:r>
               <a:rPr lang="sv-SE" sz="1500" dirty="0" err="1">
                 <a:solidFill>
-                  <a:srgbClr val="0070C0"/>
-                </a:solidFill>
-              </a:rPr>
-              <a:t>Color.</a:t>
-            </a:r>
-            <a:r>
-              <a:rPr lang="sv-SE" sz="1500" i="1" dirty="0" err="1">
-                <a:solidFill>
-                  <a:srgbClr val="0070C0"/>
-                </a:solidFill>
-              </a:rPr>
-              <a:t>RED</a:t>
+                  <a:schemeClr val="accent1">
+                    <a:lumMod val="75000"/>
+                  </a:schemeClr>
+                </a:solidFill>
+              </a:rPr>
+              <a:t>plant.getEnergy</a:t>
             </a:r>
             <a:r>
               <a:rPr lang="sv-SE" sz="1500" dirty="0">
                 <a:solidFill>
-                  <a:srgbClr val="0070C0"/>
-                </a:solidFill>
-              </a:rPr>
-              <a:t>, </a:t>
-            </a:r>
-            <a:r>
-              <a:rPr lang="sv-SE" sz="1500" dirty="0" err="1">
-                <a:solidFill>
-                  <a:srgbClr val="0070C0"/>
-                </a:solidFill>
-              </a:rPr>
-              <a:t>plant.getColor</a:t>
-            </a:r>
-            <a:r>
-              <a:rPr lang="sv-SE" sz="1500" dirty="0">
-                <a:solidFill>
-                  <a:srgbClr val="0070C0"/>
+                  <a:schemeClr val="accent1">
+                    <a:lumMod val="75000"/>
+                  </a:schemeClr>
                 </a:solidFill>
               </a:rPr>
               <a:t>()); }</a:t>
@@ -23209,21 +23243,27 @@
             <a:br>
               <a:rPr lang="sv-SE" sz="1500" dirty="0">
                 <a:solidFill>
-                  <a:srgbClr val="0070C0"/>
+                  <a:schemeClr val="accent1">
+                    <a:lumMod val="75000"/>
+                  </a:schemeClr>
                 </a:solidFill>
               </a:rPr>
             </a:br>
             <a:br>
               <a:rPr lang="sv-SE" sz="1500" dirty="0">
                 <a:solidFill>
-                  <a:srgbClr val="0070C0"/>
+                  <a:schemeClr val="accent1">
+                    <a:lumMod val="75000"/>
+                  </a:schemeClr>
                 </a:solidFill>
               </a:rPr>
             </a:br>
             <a:r>
               <a:rPr lang="sv-SE" sz="1500" dirty="0">
                 <a:solidFill>
-                  <a:srgbClr val="0070C0"/>
+                  <a:schemeClr val="accent1">
+                    <a:lumMod val="75000"/>
+                  </a:schemeClr>
                 </a:solidFill>
               </a:rPr>
               <a:t>    @Test</a:t>
@@ -23231,14 +23271,18 @@
             <a:br>
               <a:rPr lang="sv-SE" sz="1500" dirty="0">
                 <a:solidFill>
-                  <a:srgbClr val="0070C0"/>
+                  <a:schemeClr val="accent1">
+                    <a:lumMod val="75000"/>
+                  </a:schemeClr>
                 </a:solidFill>
               </a:rPr>
             </a:br>
             <a:r>
               <a:rPr lang="sv-SE" sz="1500" dirty="0">
                 <a:solidFill>
-                  <a:srgbClr val="0070C0"/>
+                  <a:schemeClr val="accent1">
+                    <a:lumMod val="75000"/>
+                  </a:schemeClr>
                 </a:solidFill>
               </a:rPr>
               <a:t>    public </a:t>
@@ -23246,7 +23290,9 @@
             <a:r>
               <a:rPr lang="sv-SE" sz="1500" dirty="0" err="1">
                 <a:solidFill>
-                  <a:srgbClr val="0070C0"/>
+                  <a:schemeClr val="accent1">
+                    <a:lumMod val="75000"/>
+                  </a:schemeClr>
                 </a:solidFill>
               </a:rPr>
               <a:t>void</a:t>
@@ -23254,7 +23300,9 @@
             <a:r>
               <a:rPr lang="sv-SE" sz="1500" dirty="0">
                 <a:solidFill>
-                  <a:srgbClr val="0070C0"/>
+                  <a:schemeClr val="accent1">
+                    <a:lumMod val="75000"/>
+                  </a:schemeClr>
                 </a:solidFill>
               </a:rPr>
               <a:t> </a:t>
@@ -23262,15 +23310,19 @@
             <a:r>
               <a:rPr lang="sv-SE" sz="1500" dirty="0" err="1">
                 <a:solidFill>
-                  <a:srgbClr val="0070C0"/>
-                </a:solidFill>
-              </a:rPr>
-              <a:t>getColor_colorIsBlue_false</a:t>
+                  <a:schemeClr val="accent1">
+                    <a:lumMod val="75000"/>
+                  </a:schemeClr>
+                </a:solidFill>
+              </a:rPr>
+              <a:t>getColor_colorIsRed_true</a:t>
             </a:r>
             <a:r>
               <a:rPr lang="sv-SE" sz="1500" dirty="0">
                 <a:solidFill>
-                  <a:srgbClr val="0070C0"/>
+                  <a:schemeClr val="accent1">
+                    <a:lumMod val="75000"/>
+                  </a:schemeClr>
                 </a:solidFill>
               </a:rPr>
               <a:t>() {</a:t>
@@ -23278,14 +23330,18 @@
             <a:br>
               <a:rPr lang="sv-SE" sz="1500" dirty="0">
                 <a:solidFill>
-                  <a:srgbClr val="0070C0"/>
+                  <a:schemeClr val="accent1">
+                    <a:lumMod val="75000"/>
+                  </a:schemeClr>
                 </a:solidFill>
               </a:rPr>
             </a:br>
             <a:r>
               <a:rPr lang="sv-SE" sz="1500" dirty="0">
                 <a:solidFill>
-                  <a:srgbClr val="0070C0"/>
+                  <a:schemeClr val="accent1">
+                    <a:lumMod val="75000"/>
+                  </a:schemeClr>
                 </a:solidFill>
               </a:rPr>
               <a:t>        </a:t>
@@ -23293,15 +23349,19 @@
             <a:r>
               <a:rPr lang="sv-SE" sz="1500" i="1" dirty="0" err="1">
                 <a:solidFill>
-                  <a:srgbClr val="0070C0"/>
-                </a:solidFill>
-              </a:rPr>
-              <a:t>assertNotEquals</a:t>
+                  <a:schemeClr val="accent1">
+                    <a:lumMod val="75000"/>
+                  </a:schemeClr>
+                </a:solidFill>
+              </a:rPr>
+              <a:t>assertEquals</a:t>
             </a:r>
             <a:r>
               <a:rPr lang="sv-SE" sz="1500" dirty="0">
                 <a:solidFill>
-                  <a:srgbClr val="0070C0"/>
+                  <a:schemeClr val="accent1">
+                    <a:lumMod val="75000"/>
+                  </a:schemeClr>
                 </a:solidFill>
               </a:rPr>
               <a:t>(</a:t>
@@ -23309,7 +23369,9 @@
             <a:r>
               <a:rPr lang="sv-SE" sz="1500" dirty="0" err="1">
                 <a:solidFill>
-                  <a:srgbClr val="0070C0"/>
+                  <a:schemeClr val="accent1">
+                    <a:lumMod val="75000"/>
+                  </a:schemeClr>
                 </a:solidFill>
               </a:rPr>
               <a:t>Color.</a:t>
@@ -23317,15 +23379,19 @@
             <a:r>
               <a:rPr lang="sv-SE" sz="1500" i="1" dirty="0" err="1">
                 <a:solidFill>
-                  <a:srgbClr val="0070C0"/>
-                </a:solidFill>
-              </a:rPr>
-              <a:t>BLUE</a:t>
+                  <a:schemeClr val="accent1">
+                    <a:lumMod val="75000"/>
+                  </a:schemeClr>
+                </a:solidFill>
+              </a:rPr>
+              <a:t>RED</a:t>
             </a:r>
             <a:r>
               <a:rPr lang="sv-SE" sz="1500" dirty="0">
                 <a:solidFill>
-                  <a:srgbClr val="0070C0"/>
+                  <a:schemeClr val="accent1">
+                    <a:lumMod val="75000"/>
+                  </a:schemeClr>
                 </a:solidFill>
               </a:rPr>
               <a:t>, </a:t>
@@ -23333,7 +23399,9 @@
             <a:r>
               <a:rPr lang="sv-SE" sz="1500" dirty="0" err="1">
                 <a:solidFill>
-                  <a:srgbClr val="0070C0"/>
+                  <a:schemeClr val="accent1">
+                    <a:lumMod val="75000"/>
+                  </a:schemeClr>
                 </a:solidFill>
               </a:rPr>
               <a:t>plant.getColor</a:t>
@@ -23341,7 +23409,9 @@
             <a:r>
               <a:rPr lang="sv-SE" sz="1500" dirty="0">
                 <a:solidFill>
-                  <a:srgbClr val="0070C0"/>
+                  <a:schemeClr val="accent1">
+                    <a:lumMod val="75000"/>
+                  </a:schemeClr>
                 </a:solidFill>
               </a:rPr>
               <a:t>()); }</a:t>
@@ -23349,13 +23419,193 @@
             <a:br>
               <a:rPr lang="sv-SE" sz="1500" dirty="0">
                 <a:solidFill>
-                  <a:srgbClr val="0070C0"/>
+                  <a:schemeClr val="accent1">
+                    <a:lumMod val="75000"/>
+                  </a:schemeClr>
+                </a:solidFill>
+              </a:rPr>
+            </a:br>
+            <a:br>
+              <a:rPr lang="sv-SE" sz="1500" dirty="0">
+                <a:solidFill>
+                  <a:schemeClr val="accent1">
+                    <a:lumMod val="75000"/>
+                  </a:schemeClr>
+                </a:solidFill>
+              </a:rPr>
+            </a:br>
+            <a:r>
+              <a:rPr lang="sv-SE" sz="1500" dirty="0">
+                <a:solidFill>
+                  <a:schemeClr val="accent1">
+                    <a:lumMod val="75000"/>
+                  </a:schemeClr>
+                </a:solidFill>
+              </a:rPr>
+              <a:t>    @Test</a:t>
+            </a:r>
+            <a:br>
+              <a:rPr lang="sv-SE" sz="1500" dirty="0">
+                <a:solidFill>
+                  <a:schemeClr val="accent1">
+                    <a:lumMod val="75000"/>
+                  </a:schemeClr>
+                </a:solidFill>
+              </a:rPr>
+            </a:br>
+            <a:r>
+              <a:rPr lang="sv-SE" sz="1500" dirty="0">
+                <a:solidFill>
+                  <a:schemeClr val="accent1">
+                    <a:lumMod val="75000"/>
+                  </a:schemeClr>
+                </a:solidFill>
+              </a:rPr>
+              <a:t>    public </a:t>
+            </a:r>
+            <a:r>
+              <a:rPr lang="sv-SE" sz="1500" dirty="0" err="1">
+                <a:solidFill>
+                  <a:schemeClr val="accent1">
+                    <a:lumMod val="75000"/>
+                  </a:schemeClr>
+                </a:solidFill>
+              </a:rPr>
+              <a:t>void</a:t>
+            </a:r>
+            <a:r>
+              <a:rPr lang="sv-SE" sz="1500" dirty="0">
+                <a:solidFill>
+                  <a:schemeClr val="accent1">
+                    <a:lumMod val="75000"/>
+                  </a:schemeClr>
+                </a:solidFill>
+              </a:rPr>
+              <a:t> </a:t>
+            </a:r>
+            <a:r>
+              <a:rPr lang="sv-SE" sz="1500" dirty="0" err="1">
+                <a:solidFill>
+                  <a:schemeClr val="accent1">
+                    <a:lumMod val="75000"/>
+                  </a:schemeClr>
+                </a:solidFill>
+              </a:rPr>
+              <a:t>getColor_colorIsBlue_false</a:t>
+            </a:r>
+            <a:r>
+              <a:rPr lang="sv-SE" sz="1500" dirty="0">
+                <a:solidFill>
+                  <a:schemeClr val="accent1">
+                    <a:lumMod val="75000"/>
+                  </a:schemeClr>
+                </a:solidFill>
+              </a:rPr>
+              <a:t>() {</a:t>
+            </a:r>
+            <a:br>
+              <a:rPr lang="sv-SE" sz="1500" dirty="0">
+                <a:solidFill>
+                  <a:schemeClr val="accent1">
+                    <a:lumMod val="75000"/>
+                  </a:schemeClr>
+                </a:solidFill>
+              </a:rPr>
+            </a:br>
+            <a:r>
+              <a:rPr lang="sv-SE" sz="1500" dirty="0">
+                <a:solidFill>
+                  <a:schemeClr val="accent1">
+                    <a:lumMod val="75000"/>
+                  </a:schemeClr>
+                </a:solidFill>
+              </a:rPr>
+              <a:t>        </a:t>
+            </a:r>
+            <a:r>
+              <a:rPr lang="sv-SE" sz="1500" i="1" dirty="0" err="1">
+                <a:solidFill>
+                  <a:schemeClr val="accent1">
+                    <a:lumMod val="75000"/>
+                  </a:schemeClr>
+                </a:solidFill>
+              </a:rPr>
+              <a:t>assertNotEquals</a:t>
+            </a:r>
+            <a:r>
+              <a:rPr lang="sv-SE" sz="1500" dirty="0">
+                <a:solidFill>
+                  <a:schemeClr val="accent1">
+                    <a:lumMod val="75000"/>
+                  </a:schemeClr>
+                </a:solidFill>
+              </a:rPr>
+              <a:t>(</a:t>
+            </a:r>
+            <a:r>
+              <a:rPr lang="sv-SE" sz="1500" dirty="0" err="1">
+                <a:solidFill>
+                  <a:schemeClr val="accent1">
+                    <a:lumMod val="75000"/>
+                  </a:schemeClr>
+                </a:solidFill>
+              </a:rPr>
+              <a:t>Color.</a:t>
+            </a:r>
+            <a:r>
+              <a:rPr lang="sv-SE" sz="1500" i="1" dirty="0" err="1">
+                <a:solidFill>
+                  <a:schemeClr val="accent1">
+                    <a:lumMod val="75000"/>
+                  </a:schemeClr>
+                </a:solidFill>
+              </a:rPr>
+              <a:t>BLUE</a:t>
+            </a:r>
+            <a:r>
+              <a:rPr lang="sv-SE" sz="1500" dirty="0">
+                <a:solidFill>
+                  <a:schemeClr val="accent1">
+                    <a:lumMod val="75000"/>
+                  </a:schemeClr>
+                </a:solidFill>
+              </a:rPr>
+              <a:t>, </a:t>
+            </a:r>
+            <a:r>
+              <a:rPr lang="sv-SE" sz="1500" dirty="0" err="1">
+                <a:solidFill>
+                  <a:schemeClr val="accent1">
+                    <a:lumMod val="75000"/>
+                  </a:schemeClr>
+                </a:solidFill>
+              </a:rPr>
+              <a:t>plant.getColor</a:t>
+            </a:r>
+            <a:r>
+              <a:rPr lang="sv-SE" sz="1500" dirty="0">
+                <a:solidFill>
+                  <a:schemeClr val="accent1">
+                    <a:lumMod val="75000"/>
+                  </a:schemeClr>
+                </a:solidFill>
+              </a:rPr>
+              <a:t>()); }</a:t>
+            </a:r>
+            <a:br>
+              <a:rPr lang="sv-SE" sz="1500" dirty="0">
+                <a:solidFill>
+                  <a:schemeClr val="accent1">
+                    <a:lumMod val="75000"/>
+                  </a:schemeClr>
                 </a:solidFill>
               </a:rPr>
             </a:br>
             <a:endParaRPr lang="sv-SE" sz="1500" dirty="0">
               <a:solidFill>
-                <a:srgbClr val="0070C0"/>
+                <a:schemeClr val="accent1">
+                  <a:lumMod val="75000"/>
+                </a:schemeClr>
               </a:solidFill>
             </a:endParaRPr>
           </a:p>
@@ -23371,7 +23621,12 @@
             <p:ph type="body" sz="quarter" idx="3"/>
           </p:nvPr>
         </p:nvSpPr>
-        <p:spPr/>
+        <p:spPr>
+          <a:xfrm>
+            <a:off x="6169024" y="1528763"/>
+            <a:ext cx="5183188" cy="504825"/>
+          </a:xfrm>
+        </p:spPr>
         <p:txBody>
           <a:bodyPr/>
           <a:lstStyle/>
@@ -23398,7 +23653,12 @@
             <p:ph sz="quarter" idx="4"/>
           </p:nvPr>
         </p:nvSpPr>
-        <p:spPr/>
+        <p:spPr>
+          <a:xfrm>
+            <a:off x="6172200" y="2033588"/>
+            <a:ext cx="5183188" cy="4156075"/>
+          </a:xfrm>
+        </p:spPr>
         <p:txBody>
           <a:bodyPr>
             <a:normAutofit/>
@@ -23411,50 +23671,22 @@
             <a:r>
               <a:rPr lang="sv-SE" sz="1500" dirty="0" err="1">
                 <a:solidFill>
-                  <a:srgbClr val="0070C0"/>
-                </a:solidFill>
-              </a:rPr>
-              <a:t>class</a:t>
+                  <a:schemeClr val="accent1">
+                    <a:lumMod val="75000"/>
+                  </a:schemeClr>
+                </a:solidFill>
+              </a:rPr>
+              <a:t>Konstruktor</a:t>
             </a:r>
             <a:r>
               <a:rPr lang="sv-SE" sz="1500" dirty="0">
                 <a:solidFill>
-                  <a:srgbClr val="0070C0"/>
-                </a:solidFill>
-              </a:rPr>
-              <a:t> </a:t>
-            </a:r>
-            <a:r>
-              <a:rPr lang="sv-SE" sz="1500" dirty="0" err="1">
-                <a:solidFill>
-                  <a:srgbClr val="0070C0"/>
-                </a:solidFill>
-              </a:rPr>
-              <a:t>Consumable</a:t>
-            </a:r>
-            <a:r>
-              <a:rPr lang="sv-SE" sz="1500" dirty="0">
-                <a:solidFill>
-                  <a:srgbClr val="0070C0"/>
-                </a:solidFill>
-              </a:rPr>
-              <a:t> </a:t>
-            </a:r>
-            <a:r>
-              <a:rPr lang="sv-SE" sz="1500" dirty="0" err="1">
-                <a:solidFill>
-                  <a:srgbClr val="0070C0"/>
-                </a:solidFill>
-              </a:rPr>
-              <a:t>extends</a:t>
-            </a:r>
-            <a:r>
-              <a:rPr lang="sv-SE" sz="1500" dirty="0">
-                <a:solidFill>
-                  <a:srgbClr val="0070C0"/>
-                </a:solidFill>
-              </a:rPr>
-              <a:t> Item:</a:t>
+                  <a:schemeClr val="accent1">
+                    <a:lumMod val="75000"/>
+                  </a:schemeClr>
+                </a:solidFill>
+              </a:rPr>
+              <a:t> i Plant:</a:t>
             </a:r>
           </a:p>
           <a:p>
@@ -23464,7 +23696,9 @@
             <a:r>
               <a:rPr lang="sv-SE" sz="1500" dirty="0">
                 <a:solidFill>
-                  <a:srgbClr val="0070C0"/>
+                  <a:schemeClr val="accent1">
+                    <a:lumMod val="75000"/>
+                  </a:schemeClr>
                 </a:solidFill>
               </a:rPr>
               <a:t>public </a:t>
@@ -23472,15 +23706,39 @@
             <a:r>
               <a:rPr lang="sv-SE" sz="1500" dirty="0" err="1">
                 <a:solidFill>
-                  <a:srgbClr val="0070C0"/>
-                </a:solidFill>
-              </a:rPr>
-              <a:t>int</a:t>
+                  <a:schemeClr val="accent1">
+                    <a:lumMod val="75000"/>
+                  </a:schemeClr>
+                </a:solidFill>
+              </a:rPr>
+              <a:t>class</a:t>
             </a:r>
             <a:r>
               <a:rPr lang="sv-SE" sz="1500" dirty="0">
                 <a:solidFill>
-                  <a:srgbClr val="0070C0"/>
+                  <a:schemeClr val="accent1">
+                    <a:lumMod val="75000"/>
+                  </a:schemeClr>
+                </a:solidFill>
+              </a:rPr>
+              <a:t> Plant </a:t>
+            </a:r>
+            <a:r>
+              <a:rPr lang="sv-SE" sz="1500" dirty="0" err="1">
+                <a:solidFill>
+                  <a:schemeClr val="accent1">
+                    <a:lumMod val="75000"/>
+                  </a:schemeClr>
+                </a:solidFill>
+              </a:rPr>
+              <a:t>extends</a:t>
+            </a:r>
+            <a:r>
+              <a:rPr lang="sv-SE" sz="1500" dirty="0">
+                <a:solidFill>
+                  <a:schemeClr val="accent1">
+                    <a:lumMod val="75000"/>
+                  </a:schemeClr>
                 </a:solidFill>
               </a:rPr>
               <a:t> </a:t>
@@ -23488,77 +23746,87 @@
             <a:r>
               <a:rPr lang="sv-SE" sz="1500" dirty="0" err="1">
                 <a:solidFill>
-                  <a:srgbClr val="0070C0"/>
-                </a:solidFill>
-              </a:rPr>
-              <a:t>getEnergy</a:t>
+                  <a:schemeClr val="accent1">
+                    <a:lumMod val="75000"/>
+                  </a:schemeClr>
+                </a:solidFill>
+              </a:rPr>
+              <a:t>Consumable</a:t>
             </a:r>
             <a:r>
               <a:rPr lang="sv-SE" sz="1500" dirty="0">
                 <a:solidFill>
-                  <a:srgbClr val="0070C0"/>
-                </a:solidFill>
-              </a:rPr>
-              <a:t>() {</a:t>
+                  <a:schemeClr val="accent1">
+                    <a:lumMod val="75000"/>
+                  </a:schemeClr>
+                </a:solidFill>
+              </a:rPr>
+              <a:t> {</a:t>
             </a:r>
             <a:br>
               <a:rPr lang="sv-SE" sz="1500" dirty="0">
                 <a:solidFill>
-                  <a:srgbClr val="0070C0"/>
+                  <a:schemeClr val="accent1">
+                    <a:lumMod val="75000"/>
+                  </a:schemeClr>
                 </a:solidFill>
               </a:rPr>
             </a:br>
             <a:r>
               <a:rPr lang="sv-SE" sz="1500" dirty="0">
                 <a:solidFill>
-                  <a:srgbClr val="0070C0"/>
-                </a:solidFill>
-              </a:rPr>
-              <a:t>    </a:t>
+                  <a:schemeClr val="accent1">
+                    <a:lumMod val="75000"/>
+                  </a:schemeClr>
+                </a:solidFill>
+              </a:rPr>
+              <a:t>    public Plant() { super('?', </a:t>
             </a:r>
             <a:r>
               <a:rPr lang="sv-SE" sz="1500" dirty="0" err="1">
                 <a:solidFill>
-                  <a:srgbClr val="0070C0"/>
-                </a:solidFill>
-              </a:rPr>
-              <a:t>return</a:t>
+                  <a:schemeClr val="accent1">
+                    <a:lumMod val="75000"/>
+                  </a:schemeClr>
+                </a:solidFill>
+              </a:rPr>
+              <a:t>Color.</a:t>
+            </a:r>
+            <a:r>
+              <a:rPr lang="sv-SE" sz="1500" i="1" dirty="0" err="1">
+                <a:solidFill>
+                  <a:schemeClr val="accent1">
+                    <a:lumMod val="75000"/>
+                  </a:schemeClr>
+                </a:solidFill>
+              </a:rPr>
+              <a:t>GREEN</a:t>
             </a:r>
             <a:r>
               <a:rPr lang="sv-SE" sz="1500" dirty="0">
                 <a:solidFill>
-                  <a:srgbClr val="0070C0"/>
-                </a:solidFill>
-              </a:rPr>
-              <a:t> </a:t>
-            </a:r>
-            <a:r>
-              <a:rPr lang="sv-SE" sz="1500" dirty="0" err="1">
-                <a:solidFill>
-                  <a:srgbClr val="0070C0"/>
-                </a:solidFill>
-              </a:rPr>
-              <a:t>energy</a:t>
-            </a:r>
-            <a:r>
-              <a:rPr lang="sv-SE" sz="1500" dirty="0">
-                <a:solidFill>
-                  <a:srgbClr val="0070C0"/>
-                </a:solidFill>
-              </a:rPr>
-              <a:t>;</a:t>
+                  <a:schemeClr val="accent1">
+                    <a:lumMod val="75000"/>
+                  </a:schemeClr>
+                </a:solidFill>
+              </a:rPr>
+              <a:t>, 10); }</a:t>
             </a:r>
             <a:br>
               <a:rPr lang="sv-SE" sz="1500" dirty="0">
                 <a:solidFill>
-                  <a:srgbClr val="0070C0"/>
+                  <a:schemeClr val="accent1">
+                    <a:lumMod val="75000"/>
+                  </a:schemeClr>
                 </a:solidFill>
               </a:rPr>
             </a:br>
             <a:r>
               <a:rPr lang="sv-SE" sz="1500" dirty="0">
                 <a:solidFill>
-                  <a:srgbClr val="0070C0"/>
+                  <a:schemeClr val="accent1">
+                    <a:lumMod val="75000"/>
+                  </a:schemeClr>
                 </a:solidFill>
               </a:rPr>
               <a:t>}</a:t>
@@ -23600,7 +23868,7 @@
                   <a:srgbClr val="0070C0"/>
                 </a:solidFill>
               </a:rPr>
-              <a:t>GameObject</a:t>
+              <a:t>Consumable</a:t>
             </a:r>
             <a:r>
               <a:rPr lang="sv-SE" sz="1500" dirty="0">
@@ -23608,7 +23876,23 @@
                   <a:srgbClr val="0070C0"/>
                 </a:solidFill>
               </a:rPr>
-              <a:t>:</a:t>
+              <a:t> </a:t>
+            </a:r>
+            <a:r>
+              <a:rPr lang="sv-SE" sz="1500" dirty="0" err="1">
+                <a:solidFill>
+                  <a:srgbClr val="0070C0"/>
+                </a:solidFill>
+              </a:rPr>
+              <a:t>extends</a:t>
+            </a:r>
+            <a:r>
+              <a:rPr lang="sv-SE" sz="1500" dirty="0">
+                <a:solidFill>
+                  <a:srgbClr val="0070C0"/>
+                </a:solidFill>
+              </a:rPr>
+              <a:t> Item:</a:t>
             </a:r>
           </a:p>
           <a:p>
@@ -23621,7 +23905,7 @@
                   <a:srgbClr val="0070C0"/>
                 </a:solidFill>
               </a:rPr>
-              <a:t>public Color </a:t>
+              <a:t>public </a:t>
             </a:r>
             <a:r>
               <a:rPr lang="sv-SE" sz="1500" dirty="0" err="1">
@@ -23629,7 +23913,23 @@
                   <a:srgbClr val="0070C0"/>
                 </a:solidFill>
               </a:rPr>
-              <a:t>getColor</a:t>
+              <a:t>int</a:t>
+            </a:r>
+            <a:r>
+              <a:rPr lang="sv-SE" sz="1500" dirty="0">
+                <a:solidFill>
+                  <a:srgbClr val="0070C0"/>
+                </a:solidFill>
+              </a:rPr>
+              <a:t> </a:t>
+            </a:r>
+            <a:r>
+              <a:rPr lang="sv-SE" sz="1500" dirty="0" err="1">
+                <a:solidFill>
+                  <a:srgbClr val="0070C0"/>
+                </a:solidFill>
+              </a:rPr>
+              <a:t>getEnergy</a:t>
             </a:r>
             <a:r>
               <a:rPr lang="sv-SE" sz="1500" dirty="0">
@@ -23676,7 +23976,7 @@
                   <a:srgbClr val="0070C0"/>
                 </a:solidFill>
               </a:rPr>
-              <a:t>this.color</a:t>
+              <a:t>energy</a:t>
             </a:r>
             <a:r>
               <a:rPr lang="sv-SE" sz="1500" dirty="0">
@@ -23706,11 +24006,139 @@
             <a:pPr marL="0" indent="0">
               <a:buNone/>
             </a:pPr>
-            <a:endParaRPr lang="sv-SE" sz="1900" dirty="0">
+            <a:endParaRPr lang="sv-SE" sz="1500" dirty="0">
               <a:solidFill>
                 <a:srgbClr val="0070C0"/>
               </a:solidFill>
             </a:endParaRPr>
+          </a:p>
+          <a:p>
+            <a:pPr marL="0" indent="0">
+              <a:buNone/>
+            </a:pPr>
+            <a:r>
+              <a:rPr lang="sv-SE" sz="1500" dirty="0" err="1">
+                <a:solidFill>
+                  <a:srgbClr val="0070C0"/>
+                </a:solidFill>
+              </a:rPr>
+              <a:t>class</a:t>
+            </a:r>
+            <a:r>
+              <a:rPr lang="sv-SE" sz="1500" dirty="0">
+                <a:solidFill>
+                  <a:srgbClr val="0070C0"/>
+                </a:solidFill>
+              </a:rPr>
+              <a:t> </a:t>
+            </a:r>
+            <a:r>
+              <a:rPr lang="sv-SE" sz="1500" dirty="0" err="1">
+                <a:solidFill>
+                  <a:srgbClr val="0070C0"/>
+                </a:solidFill>
+              </a:rPr>
+              <a:t>GameObject</a:t>
+            </a:r>
+            <a:r>
+              <a:rPr lang="sv-SE" sz="1500" dirty="0">
+                <a:solidFill>
+                  <a:srgbClr val="0070C0"/>
+                </a:solidFill>
+              </a:rPr>
+              <a:t>:</a:t>
+            </a:r>
+          </a:p>
+          <a:p>
+            <a:pPr marL="0" indent="0">
+              <a:buNone/>
+            </a:pPr>
+            <a:r>
+              <a:rPr lang="sv-SE" sz="1500" dirty="0">
+                <a:solidFill>
+                  <a:srgbClr val="0070C0"/>
+                </a:solidFill>
+              </a:rPr>
+              <a:t>public Color </a:t>
+            </a:r>
+            <a:r>
+              <a:rPr lang="sv-SE" sz="1500" dirty="0" err="1">
+                <a:solidFill>
+                  <a:srgbClr val="0070C0"/>
+                </a:solidFill>
+              </a:rPr>
+              <a:t>getColor</a:t>
+            </a:r>
+            <a:r>
+              <a:rPr lang="sv-SE" sz="1500" dirty="0">
+                <a:solidFill>
+                  <a:srgbClr val="0070C0"/>
+                </a:solidFill>
+              </a:rPr>
+              <a:t>() {</a:t>
+            </a:r>
+            <a:br>
+              <a:rPr lang="sv-SE" sz="1500" dirty="0">
+                <a:solidFill>
+                  <a:srgbClr val="0070C0"/>
+                </a:solidFill>
+              </a:rPr>
+            </a:br>
+            <a:r>
+              <a:rPr lang="sv-SE" sz="1500" dirty="0">
+                <a:solidFill>
+                  <a:srgbClr val="0070C0"/>
+                </a:solidFill>
+              </a:rPr>
+              <a:t>    </a:t>
+            </a:r>
+            <a:r>
+              <a:rPr lang="sv-SE" sz="1500" dirty="0" err="1">
+                <a:solidFill>
+                  <a:srgbClr val="0070C0"/>
+                </a:solidFill>
+              </a:rPr>
+              <a:t>return</a:t>
+            </a:r>
+            <a:r>
+              <a:rPr lang="sv-SE" sz="1500" dirty="0">
+                <a:solidFill>
+                  <a:srgbClr val="0070C0"/>
+                </a:solidFill>
+              </a:rPr>
+              <a:t> </a:t>
+            </a:r>
+            <a:r>
+              <a:rPr lang="sv-SE" sz="1500" dirty="0" err="1">
+                <a:solidFill>
+                  <a:srgbClr val="0070C0"/>
+                </a:solidFill>
+              </a:rPr>
+              <a:t>this.color</a:t>
+            </a:r>
+            <a:r>
+              <a:rPr lang="sv-SE" sz="1500" dirty="0">
+                <a:solidFill>
+                  <a:srgbClr val="0070C0"/>
+                </a:solidFill>
+              </a:rPr>
+              <a:t>;</a:t>
+            </a:r>
+            <a:br>
+              <a:rPr lang="sv-SE" sz="1500" dirty="0">
+                <a:solidFill>
+                  <a:srgbClr val="0070C0"/>
+                </a:solidFill>
+              </a:rPr>
+            </a:br>
+            <a:r>
+              <a:rPr lang="sv-SE" sz="1500" dirty="0">
+                <a:solidFill>
+                  <a:srgbClr val="0070C0"/>
+                </a:solidFill>
+              </a:rPr>
+              <a:t>}</a:t>
+            </a:r>
           </a:p>
           <a:p>
             <a:pPr marL="0" indent="0">
